--- a/Slides/MSA Intro Day 1.pptx
+++ b/Slides/MSA Intro Day 1.pptx
@@ -5,23 +5,19 @@
     <p:sldMasterId id="2147483648" r:id="rId1"/>
   </p:sldMasterIdLst>
   <p:notesMasterIdLst>
-    <p:notesMasterId r:id="rId16"/>
+    <p:notesMasterId r:id="rId12"/>
   </p:notesMasterIdLst>
   <p:sldIdLst>
     <p:sldId id="278" r:id="rId2"/>
     <p:sldId id="312" r:id="rId3"/>
-    <p:sldId id="263" r:id="rId4"/>
-    <p:sldId id="257" r:id="rId5"/>
-    <p:sldId id="292" r:id="rId6"/>
-    <p:sldId id="311" r:id="rId7"/>
-    <p:sldId id="268" r:id="rId8"/>
-    <p:sldId id="269" r:id="rId9"/>
-    <p:sldId id="270" r:id="rId10"/>
-    <p:sldId id="271" r:id="rId11"/>
-    <p:sldId id="272" r:id="rId12"/>
-    <p:sldId id="309" r:id="rId13"/>
-    <p:sldId id="293" r:id="rId14"/>
-    <p:sldId id="273" r:id="rId15"/>
+    <p:sldId id="292" r:id="rId4"/>
+    <p:sldId id="311" r:id="rId5"/>
+    <p:sldId id="268" r:id="rId6"/>
+    <p:sldId id="269" r:id="rId7"/>
+    <p:sldId id="272" r:id="rId8"/>
+    <p:sldId id="309" r:id="rId9"/>
+    <p:sldId id="293" r:id="rId10"/>
+    <p:sldId id="273" r:id="rId11"/>
   </p:sldIdLst>
   <p:sldSz cx="12192000" cy="6858000"/>
   <p:notesSz cx="6858000" cy="9144000"/>
@@ -221,7 +217,7 @@
           <a:p>
             <a:fld id="{53D551F1-3E25-2744-9BE7-0A04F579F8FB}" type="datetimeFigureOut">
               <a:rPr lang="en-US" smtClean="0"/>
-              <a:t>7/13/19</a:t>
+              <a:t>7/19/19</a:t>
             </a:fld>
             <a:endParaRPr lang="en-US"/>
           </a:p>
@@ -516,7 +512,12 @@
             <p:ph type="sldImg"/>
           </p:nvPr>
         </p:nvSpPr>
-        <p:spPr/>
+        <p:spPr>
+          <a:xfrm>
+            <a:off x="685800" y="1143000"/>
+            <a:ext cx="5486400" cy="3086100"/>
+          </a:xfrm>
+        </p:spPr>
       </p:sp>
       <p:sp>
         <p:nvSpPr>
@@ -533,29 +534,6 @@
           <a:bodyPr/>
           <a:lstStyle/>
           <a:p>
-            <a:pPr marL="0" marR="0" lvl="0" indent="0" algn="l" defTabSz="914400" rtl="0" eaLnBrk="1" fontAlgn="auto" latinLnBrk="0" hangingPunct="1">
-              <a:lnSpc>
-                <a:spcPct val="100000"/>
-              </a:lnSpc>
-              <a:spcBef>
-                <a:spcPts val="0"/>
-              </a:spcBef>
-              <a:spcAft>
-                <a:spcPts val="0"/>
-              </a:spcAft>
-              <a:buClrTx/>
-              <a:buSzTx/>
-              <a:buFontTx/>
-              <a:buNone/>
-              <a:tabLst/>
-              <a:defRPr/>
-            </a:pPr>
-            <a:r>
-              <a:rPr lang="en-NZ" dirty="0"/>
-              <a:t>In the work place you are expected to think for yourself. You can ask for help, but not all environments are the same, and you may not always find someone who knows how to fix your exact problem. </a:t>
-            </a:r>
-          </a:p>
-          <a:p>
             <a:endParaRPr lang="en-US" dirty="0"/>
           </a:p>
         </p:txBody>
@@ -567,15 +545,15 @@
             <a:spLocks noGrp="1"/>
           </p:cNvSpPr>
           <p:nvPr>
-            <p:ph type="sldNum" sz="quarter" idx="5"/>
-          </p:nvPr>
-        </p:nvSpPr>
-        <p:spPr/>
-        <p:txBody>
-          <a:bodyPr/>
-          <a:lstStyle/>
-          <a:p>
-            <a:fld id="{CDDFCC0C-D0C0-7443-B7C0-AFE35D3A82E0}" type="slidenum">
+            <p:ph type="sldNum" sz="quarter" idx="10"/>
+          </p:nvPr>
+        </p:nvSpPr>
+        <p:spPr/>
+        <p:txBody>
+          <a:bodyPr/>
+          <a:lstStyle/>
+          <a:p>
+            <a:fld id="{D3F8F6B0-B250-4748-A00E-B11C9B2F4421}" type="slidenum">
               <a:rPr lang="en-US" smtClean="0"/>
               <a:t>3</a:t>
             </a:fld>
@@ -586,94 +564,7 @@
     </p:spTree>
     <p:extLst>
       <p:ext uri="{BB962C8B-B14F-4D97-AF65-F5344CB8AC3E}">
-        <p14:creationId xmlns:p14="http://schemas.microsoft.com/office/powerpoint/2010/main" val="570396603"/>
-      </p:ext>
-    </p:extLst>
-  </p:cSld>
-  <p:clrMapOvr>
-    <a:masterClrMapping/>
-  </p:clrMapOvr>
-</p:notes>
-</file>
-
-<file path=ppt/notesSlides/notesSlide10.xml><?xml version="1.0" encoding="utf-8"?>
-<p:notes xmlns:a="http://schemas.openxmlformats.org/drawingml/2006/main" xmlns:r="http://schemas.openxmlformats.org/officeDocument/2006/relationships" xmlns:p="http://schemas.openxmlformats.org/presentationml/2006/main">
-  <p:cSld>
-    <p:spTree>
-      <p:nvGrpSpPr>
-        <p:cNvPr id="1" name=""/>
-        <p:cNvGrpSpPr/>
-        <p:nvPr/>
-      </p:nvGrpSpPr>
-      <p:grpSpPr>
-        <a:xfrm>
-          <a:off x="0" y="0"/>
-          <a:ext cx="0" cy="0"/>
-          <a:chOff x="0" y="0"/>
-          <a:chExt cx="0" cy="0"/>
-        </a:xfrm>
-      </p:grpSpPr>
-      <p:sp>
-        <p:nvSpPr>
-          <p:cNvPr id="2" name="Slide Image Placeholder 1"/>
-          <p:cNvSpPr>
-            <a:spLocks noGrp="1" noRot="1" noChangeAspect="1"/>
-          </p:cNvSpPr>
-          <p:nvPr>
-            <p:ph type="sldImg"/>
-          </p:nvPr>
-        </p:nvSpPr>
-        <p:spPr/>
-      </p:sp>
-      <p:sp>
-        <p:nvSpPr>
-          <p:cNvPr id="3" name="Notes Placeholder 2"/>
-          <p:cNvSpPr>
-            <a:spLocks noGrp="1"/>
-          </p:cNvSpPr>
-          <p:nvPr>
-            <p:ph type="body" idx="1"/>
-          </p:nvPr>
-        </p:nvSpPr>
-        <p:spPr/>
-        <p:txBody>
-          <a:bodyPr/>
-          <a:lstStyle/>
-          <a:p>
-            <a:r>
-              <a:rPr lang="en-US" dirty="0"/>
-              <a:t>Maybe in HD this year though. We will make sure it's at least 1080p</a:t>
-            </a:r>
-          </a:p>
-        </p:txBody>
-      </p:sp>
-      <p:sp>
-        <p:nvSpPr>
-          <p:cNvPr id="4" name="Slide Number Placeholder 3"/>
-          <p:cNvSpPr>
-            <a:spLocks noGrp="1"/>
-          </p:cNvSpPr>
-          <p:nvPr>
-            <p:ph type="sldNum" sz="quarter" idx="5"/>
-          </p:nvPr>
-        </p:nvSpPr>
-        <p:spPr/>
-        <p:txBody>
-          <a:bodyPr/>
-          <a:lstStyle/>
-          <a:p>
-            <a:fld id="{CDDFCC0C-D0C0-7443-B7C0-AFE35D3A82E0}" type="slidenum">
-              <a:rPr lang="en-US" smtClean="0"/>
-              <a:t>13</a:t>
-            </a:fld>
-            <a:endParaRPr lang="en-US"/>
-          </a:p>
-        </p:txBody>
-      </p:sp>
-    </p:spTree>
-    <p:extLst>
-      <p:ext uri="{BB962C8B-B14F-4D97-AF65-F5344CB8AC3E}">
-        <p14:creationId xmlns:p14="http://schemas.microsoft.com/office/powerpoint/2010/main" val="630316017"/>
+        <p14:creationId xmlns:p14="http://schemas.microsoft.com/office/powerpoint/2010/main" val="2516035123"/>
       </p:ext>
     </p:extLst>
   </p:cSld>
@@ -710,7 +601,12 @@
             <p:ph type="sldImg"/>
           </p:nvPr>
         </p:nvSpPr>
-        <p:spPr/>
+        <p:spPr>
+          <a:xfrm>
+            <a:off x="685800" y="1143000"/>
+            <a:ext cx="5486400" cy="3086100"/>
+          </a:xfrm>
+        </p:spPr>
       </p:sp>
       <p:sp>
         <p:nvSpPr>
@@ -746,7 +642,7 @@
           <a:bodyPr/>
           <a:lstStyle/>
           <a:p>
-            <a:fld id="{A008DDF4-253B-4E36-BE28-46B8E6426B7B}" type="slidenum">
+            <a:fld id="{D3F8F6B0-B250-4748-A00E-B11C9B2F4421}" type="slidenum">
               <a:rPr lang="en-US" smtClean="0"/>
               <a:t>4</a:t>
             </a:fld>
@@ -757,7 +653,7 @@
     </p:spTree>
     <p:extLst>
       <p:ext uri="{BB962C8B-B14F-4D97-AF65-F5344CB8AC3E}">
-        <p14:creationId xmlns:p14="http://schemas.microsoft.com/office/powerpoint/2010/main" val="1401296717"/>
+        <p14:creationId xmlns:p14="http://schemas.microsoft.com/office/powerpoint/2010/main" val="1313969458"/>
       </p:ext>
     </p:extLst>
   </p:cSld>
@@ -794,12 +690,7 @@
             <p:ph type="sldImg"/>
           </p:nvPr>
         </p:nvSpPr>
-        <p:spPr>
-          <a:xfrm>
-            <a:off x="685800" y="1143000"/>
-            <a:ext cx="5486400" cy="3086100"/>
-          </a:xfrm>
-        </p:spPr>
+        <p:spPr/>
       </p:sp>
       <p:sp>
         <p:nvSpPr>
@@ -816,7 +707,10 @@
           <a:bodyPr/>
           <a:lstStyle/>
           <a:p>
-            <a:endParaRPr lang="en-US" dirty="0"/>
+            <a:r>
+              <a:rPr lang="en-US" dirty="0"/>
+              <a:t>Will be theory related questions in regard to all the features you have used and all those that you were expected to use. </a:t>
+            </a:r>
           </a:p>
         </p:txBody>
       </p:sp>
@@ -835,7 +729,7 @@
           <a:bodyPr/>
           <a:lstStyle/>
           <a:p>
-            <a:fld id="{D3F8F6B0-B250-4748-A00E-B11C9B2F4421}" type="slidenum">
+            <a:fld id="{A008DDF4-253B-4E36-BE28-46B8E6426B7B}" type="slidenum">
               <a:rPr lang="en-US" smtClean="0"/>
               <a:t>5</a:t>
             </a:fld>
@@ -846,7 +740,7 @@
     </p:spTree>
     <p:extLst>
       <p:ext uri="{BB962C8B-B14F-4D97-AF65-F5344CB8AC3E}">
-        <p14:creationId xmlns:p14="http://schemas.microsoft.com/office/powerpoint/2010/main" val="2516035123"/>
+        <p14:creationId xmlns:p14="http://schemas.microsoft.com/office/powerpoint/2010/main" val="1132461317"/>
       </p:ext>
     </p:extLst>
   </p:cSld>
@@ -883,12 +777,7 @@
             <p:ph type="sldImg"/>
           </p:nvPr>
         </p:nvSpPr>
-        <p:spPr>
-          <a:xfrm>
-            <a:off x="685800" y="1143000"/>
-            <a:ext cx="5486400" cy="3086100"/>
-          </a:xfrm>
-        </p:spPr>
+        <p:spPr/>
       </p:sp>
       <p:sp>
         <p:nvSpPr>
@@ -924,7 +813,7 @@
           <a:bodyPr/>
           <a:lstStyle/>
           <a:p>
-            <a:fld id="{D3F8F6B0-B250-4748-A00E-B11C9B2F4421}" type="slidenum">
+            <a:fld id="{A008DDF4-253B-4E36-BE28-46B8E6426B7B}" type="slidenum">
               <a:rPr lang="en-US" smtClean="0"/>
               <a:t>6</a:t>
             </a:fld>
@@ -935,7 +824,7 @@
     </p:spTree>
     <p:extLst>
       <p:ext uri="{BB962C8B-B14F-4D97-AF65-F5344CB8AC3E}">
-        <p14:creationId xmlns:p14="http://schemas.microsoft.com/office/powerpoint/2010/main" val="1313969458"/>
+        <p14:creationId xmlns:p14="http://schemas.microsoft.com/office/powerpoint/2010/main" val="2999446584"/>
       </p:ext>
     </p:extLst>
   </p:cSld>
@@ -989,10 +878,7 @@
           <a:bodyPr/>
           <a:lstStyle/>
           <a:p>
-            <a:r>
-              <a:rPr lang="en-US" dirty="0"/>
-              <a:t>Will be theory related questions in regard to all the features you have used and all those that you were expected to use. </a:t>
-            </a:r>
+            <a:endParaRPr lang="en-US" dirty="0"/>
           </a:p>
         </p:txBody>
       </p:sp>
@@ -1022,7 +908,7 @@
     </p:spTree>
     <p:extLst>
       <p:ext uri="{BB962C8B-B14F-4D97-AF65-F5344CB8AC3E}">
-        <p14:creationId xmlns:p14="http://schemas.microsoft.com/office/powerpoint/2010/main" val="1132461317"/>
+        <p14:creationId xmlns:p14="http://schemas.microsoft.com/office/powerpoint/2010/main" val="3949229480"/>
       </p:ext>
     </p:extLst>
   </p:cSld>
@@ -1076,7 +962,10 @@
           <a:bodyPr/>
           <a:lstStyle/>
           <a:p>
-            <a:endParaRPr lang="en-US" dirty="0"/>
+            <a:r>
+              <a:rPr lang="en-US" dirty="0"/>
+              <a:t>Maybe in HD this year though. We will make sure it's at least 1080p</a:t>
+            </a:r>
           </a:p>
         </p:txBody>
       </p:sp>
@@ -1087,17 +976,17 @@
             <a:spLocks noGrp="1"/>
           </p:cNvSpPr>
           <p:nvPr>
-            <p:ph type="sldNum" sz="quarter" idx="10"/>
-          </p:nvPr>
-        </p:nvSpPr>
-        <p:spPr/>
-        <p:txBody>
-          <a:bodyPr/>
-          <a:lstStyle/>
-          <a:p>
-            <a:fld id="{A008DDF4-253B-4E36-BE28-46B8E6426B7B}" type="slidenum">
+            <p:ph type="sldNum" sz="quarter" idx="5"/>
+          </p:nvPr>
+        </p:nvSpPr>
+        <p:spPr/>
+        <p:txBody>
+          <a:bodyPr/>
+          <a:lstStyle/>
+          <a:p>
+            <a:fld id="{CDDFCC0C-D0C0-7443-B7C0-AFE35D3A82E0}" type="slidenum">
               <a:rPr lang="en-US" smtClean="0"/>
-              <a:t>8</a:t>
+              <a:t>9</a:t>
             </a:fld>
             <a:endParaRPr lang="en-US"/>
           </a:p>
@@ -1106,259 +995,7 @@
     </p:spTree>
     <p:extLst>
       <p:ext uri="{BB962C8B-B14F-4D97-AF65-F5344CB8AC3E}">
-        <p14:creationId xmlns:p14="http://schemas.microsoft.com/office/powerpoint/2010/main" val="2999446584"/>
-      </p:ext>
-    </p:extLst>
-  </p:cSld>
-  <p:clrMapOvr>
-    <a:masterClrMapping/>
-  </p:clrMapOvr>
-</p:notes>
-</file>
-
-<file path=ppt/notesSlides/notesSlide7.xml><?xml version="1.0" encoding="utf-8"?>
-<p:notes xmlns:a="http://schemas.openxmlformats.org/drawingml/2006/main" xmlns:r="http://schemas.openxmlformats.org/officeDocument/2006/relationships" xmlns:p="http://schemas.openxmlformats.org/presentationml/2006/main">
-  <p:cSld>
-    <p:spTree>
-      <p:nvGrpSpPr>
-        <p:cNvPr id="1" name=""/>
-        <p:cNvGrpSpPr/>
-        <p:nvPr/>
-      </p:nvGrpSpPr>
-      <p:grpSpPr>
-        <a:xfrm>
-          <a:off x="0" y="0"/>
-          <a:ext cx="0" cy="0"/>
-          <a:chOff x="0" y="0"/>
-          <a:chExt cx="0" cy="0"/>
-        </a:xfrm>
-      </p:grpSpPr>
-      <p:sp>
-        <p:nvSpPr>
-          <p:cNvPr id="2" name="Slide Image Placeholder 1"/>
-          <p:cNvSpPr>
-            <a:spLocks noGrp="1" noRot="1" noChangeAspect="1"/>
-          </p:cNvSpPr>
-          <p:nvPr>
-            <p:ph type="sldImg"/>
-          </p:nvPr>
-        </p:nvSpPr>
-        <p:spPr/>
-      </p:sp>
-      <p:sp>
-        <p:nvSpPr>
-          <p:cNvPr id="3" name="Notes Placeholder 2"/>
-          <p:cNvSpPr>
-            <a:spLocks noGrp="1"/>
-          </p:cNvSpPr>
-          <p:nvPr>
-            <p:ph type="body" idx="1"/>
-          </p:nvPr>
-        </p:nvSpPr>
-        <p:spPr/>
-        <p:txBody>
-          <a:bodyPr/>
-          <a:lstStyle/>
-          <a:p>
-            <a:endParaRPr lang="en-US" dirty="0"/>
-          </a:p>
-        </p:txBody>
-      </p:sp>
-      <p:sp>
-        <p:nvSpPr>
-          <p:cNvPr id="4" name="Slide Number Placeholder 3"/>
-          <p:cNvSpPr>
-            <a:spLocks noGrp="1"/>
-          </p:cNvSpPr>
-          <p:nvPr>
-            <p:ph type="sldNum" sz="quarter" idx="10"/>
-          </p:nvPr>
-        </p:nvSpPr>
-        <p:spPr/>
-        <p:txBody>
-          <a:bodyPr/>
-          <a:lstStyle/>
-          <a:p>
-            <a:fld id="{A008DDF4-253B-4E36-BE28-46B8E6426B7B}" type="slidenum">
-              <a:rPr lang="en-US" smtClean="0"/>
-              <a:t>9</a:t>
-            </a:fld>
-            <a:endParaRPr lang="en-US"/>
-          </a:p>
-        </p:txBody>
-      </p:sp>
-    </p:spTree>
-    <p:extLst>
-      <p:ext uri="{BB962C8B-B14F-4D97-AF65-F5344CB8AC3E}">
-        <p14:creationId xmlns:p14="http://schemas.microsoft.com/office/powerpoint/2010/main" val="1177723193"/>
-      </p:ext>
-    </p:extLst>
-  </p:cSld>
-  <p:clrMapOvr>
-    <a:masterClrMapping/>
-  </p:clrMapOvr>
-</p:notes>
-</file>
-
-<file path=ppt/notesSlides/notesSlide8.xml><?xml version="1.0" encoding="utf-8"?>
-<p:notes xmlns:a="http://schemas.openxmlformats.org/drawingml/2006/main" xmlns:r="http://schemas.openxmlformats.org/officeDocument/2006/relationships" xmlns:p="http://schemas.openxmlformats.org/presentationml/2006/main">
-  <p:cSld>
-    <p:spTree>
-      <p:nvGrpSpPr>
-        <p:cNvPr id="1" name=""/>
-        <p:cNvGrpSpPr/>
-        <p:nvPr/>
-      </p:nvGrpSpPr>
-      <p:grpSpPr>
-        <a:xfrm>
-          <a:off x="0" y="0"/>
-          <a:ext cx="0" cy="0"/>
-          <a:chOff x="0" y="0"/>
-          <a:chExt cx="0" cy="0"/>
-        </a:xfrm>
-      </p:grpSpPr>
-      <p:sp>
-        <p:nvSpPr>
-          <p:cNvPr id="2" name="Slide Image Placeholder 1"/>
-          <p:cNvSpPr>
-            <a:spLocks noGrp="1" noRot="1" noChangeAspect="1"/>
-          </p:cNvSpPr>
-          <p:nvPr>
-            <p:ph type="sldImg"/>
-          </p:nvPr>
-        </p:nvSpPr>
-        <p:spPr/>
-      </p:sp>
-      <p:sp>
-        <p:nvSpPr>
-          <p:cNvPr id="3" name="Notes Placeholder 2"/>
-          <p:cNvSpPr>
-            <a:spLocks noGrp="1"/>
-          </p:cNvSpPr>
-          <p:nvPr>
-            <p:ph type="body" idx="1"/>
-          </p:nvPr>
-        </p:nvSpPr>
-        <p:spPr/>
-        <p:txBody>
-          <a:bodyPr/>
-          <a:lstStyle/>
-          <a:p>
-            <a:endParaRPr lang="en-US" dirty="0"/>
-          </a:p>
-        </p:txBody>
-      </p:sp>
-      <p:sp>
-        <p:nvSpPr>
-          <p:cNvPr id="4" name="Slide Number Placeholder 3"/>
-          <p:cNvSpPr>
-            <a:spLocks noGrp="1"/>
-          </p:cNvSpPr>
-          <p:nvPr>
-            <p:ph type="sldNum" sz="quarter" idx="10"/>
-          </p:nvPr>
-        </p:nvSpPr>
-        <p:spPr/>
-        <p:txBody>
-          <a:bodyPr/>
-          <a:lstStyle/>
-          <a:p>
-            <a:fld id="{A008DDF4-253B-4E36-BE28-46B8E6426B7B}" type="slidenum">
-              <a:rPr lang="en-US" smtClean="0"/>
-              <a:t>10</a:t>
-            </a:fld>
-            <a:endParaRPr lang="en-US"/>
-          </a:p>
-        </p:txBody>
-      </p:sp>
-    </p:spTree>
-    <p:extLst>
-      <p:ext uri="{BB962C8B-B14F-4D97-AF65-F5344CB8AC3E}">
-        <p14:creationId xmlns:p14="http://schemas.microsoft.com/office/powerpoint/2010/main" val="2027633016"/>
-      </p:ext>
-    </p:extLst>
-  </p:cSld>
-  <p:clrMapOvr>
-    <a:masterClrMapping/>
-  </p:clrMapOvr>
-</p:notes>
-</file>
-
-<file path=ppt/notesSlides/notesSlide9.xml><?xml version="1.0" encoding="utf-8"?>
-<p:notes xmlns:a="http://schemas.openxmlformats.org/drawingml/2006/main" xmlns:r="http://schemas.openxmlformats.org/officeDocument/2006/relationships" xmlns:p="http://schemas.openxmlformats.org/presentationml/2006/main">
-  <p:cSld>
-    <p:spTree>
-      <p:nvGrpSpPr>
-        <p:cNvPr id="1" name=""/>
-        <p:cNvGrpSpPr/>
-        <p:nvPr/>
-      </p:nvGrpSpPr>
-      <p:grpSpPr>
-        <a:xfrm>
-          <a:off x="0" y="0"/>
-          <a:ext cx="0" cy="0"/>
-          <a:chOff x="0" y="0"/>
-          <a:chExt cx="0" cy="0"/>
-        </a:xfrm>
-      </p:grpSpPr>
-      <p:sp>
-        <p:nvSpPr>
-          <p:cNvPr id="2" name="Slide Image Placeholder 1"/>
-          <p:cNvSpPr>
-            <a:spLocks noGrp="1" noRot="1" noChangeAspect="1"/>
-          </p:cNvSpPr>
-          <p:nvPr>
-            <p:ph type="sldImg"/>
-          </p:nvPr>
-        </p:nvSpPr>
-        <p:spPr/>
-      </p:sp>
-      <p:sp>
-        <p:nvSpPr>
-          <p:cNvPr id="3" name="Notes Placeholder 2"/>
-          <p:cNvSpPr>
-            <a:spLocks noGrp="1"/>
-          </p:cNvSpPr>
-          <p:nvPr>
-            <p:ph type="body" idx="1"/>
-          </p:nvPr>
-        </p:nvSpPr>
-        <p:spPr/>
-        <p:txBody>
-          <a:bodyPr/>
-          <a:lstStyle/>
-          <a:p>
-            <a:endParaRPr lang="en-US" dirty="0"/>
-          </a:p>
-        </p:txBody>
-      </p:sp>
-      <p:sp>
-        <p:nvSpPr>
-          <p:cNvPr id="4" name="Slide Number Placeholder 3"/>
-          <p:cNvSpPr>
-            <a:spLocks noGrp="1"/>
-          </p:cNvSpPr>
-          <p:nvPr>
-            <p:ph type="sldNum" sz="quarter" idx="10"/>
-          </p:nvPr>
-        </p:nvSpPr>
-        <p:spPr/>
-        <p:txBody>
-          <a:bodyPr/>
-          <a:lstStyle/>
-          <a:p>
-            <a:fld id="{A008DDF4-253B-4E36-BE28-46B8E6426B7B}" type="slidenum">
-              <a:rPr lang="en-US" smtClean="0"/>
-              <a:t>11</a:t>
-            </a:fld>
-            <a:endParaRPr lang="en-US"/>
-          </a:p>
-        </p:txBody>
-      </p:sp>
-    </p:spTree>
-    <p:extLst>
-      <p:ext uri="{BB962C8B-B14F-4D97-AF65-F5344CB8AC3E}">
-        <p14:creationId xmlns:p14="http://schemas.microsoft.com/office/powerpoint/2010/main" val="3949229480"/>
+        <p14:creationId xmlns:p14="http://schemas.microsoft.com/office/powerpoint/2010/main" val="630316017"/>
       </p:ext>
     </p:extLst>
   </p:cSld>
@@ -1499,7 +1136,7 @@
           <a:p>
             <a:fld id="{F4356D17-FE2B-4A42-AE6B-E0B8894B79EA}" type="datetimeFigureOut">
               <a:rPr lang="en-US" smtClean="0"/>
-              <a:t>7/13/19</a:t>
+              <a:t>7/19/19</a:t>
             </a:fld>
             <a:endParaRPr lang="en-US"/>
           </a:p>
@@ -1669,7 +1306,7 @@
           <a:p>
             <a:fld id="{F4356D17-FE2B-4A42-AE6B-E0B8894B79EA}" type="datetimeFigureOut">
               <a:rPr lang="en-US" smtClean="0"/>
-              <a:t>7/13/19</a:t>
+              <a:t>7/19/19</a:t>
             </a:fld>
             <a:endParaRPr lang="en-US"/>
           </a:p>
@@ -1849,7 +1486,7 @@
           <a:p>
             <a:fld id="{F4356D17-FE2B-4A42-AE6B-E0B8894B79EA}" type="datetimeFigureOut">
               <a:rPr lang="en-US" smtClean="0"/>
-              <a:t>7/13/19</a:t>
+              <a:t>7/19/19</a:t>
             </a:fld>
             <a:endParaRPr lang="en-US"/>
           </a:p>
@@ -2343,7 +1980,7 @@
           <a:p>
             <a:fld id="{F4356D17-FE2B-4A42-AE6B-E0B8894B79EA}" type="datetimeFigureOut">
               <a:rPr lang="en-US" smtClean="0"/>
-              <a:t>7/13/19</a:t>
+              <a:t>7/19/19</a:t>
             </a:fld>
             <a:endParaRPr lang="en-US"/>
           </a:p>
@@ -2589,7 +2226,7 @@
           <a:p>
             <a:fld id="{F4356D17-FE2B-4A42-AE6B-E0B8894B79EA}" type="datetimeFigureOut">
               <a:rPr lang="en-US" smtClean="0"/>
-              <a:t>7/13/19</a:t>
+              <a:t>7/19/19</a:t>
             </a:fld>
             <a:endParaRPr lang="en-US"/>
           </a:p>
@@ -2821,7 +2458,7 @@
           <a:p>
             <a:fld id="{F4356D17-FE2B-4A42-AE6B-E0B8894B79EA}" type="datetimeFigureOut">
               <a:rPr lang="en-US" smtClean="0"/>
-              <a:t>7/13/19</a:t>
+              <a:t>7/19/19</a:t>
             </a:fld>
             <a:endParaRPr lang="en-US"/>
           </a:p>
@@ -3188,7 +2825,7 @@
           <a:p>
             <a:fld id="{F4356D17-FE2B-4A42-AE6B-E0B8894B79EA}" type="datetimeFigureOut">
               <a:rPr lang="en-US" smtClean="0"/>
-              <a:t>7/13/19</a:t>
+              <a:t>7/19/19</a:t>
             </a:fld>
             <a:endParaRPr lang="en-US"/>
           </a:p>
@@ -3306,7 +2943,7 @@
           <a:p>
             <a:fld id="{F4356D17-FE2B-4A42-AE6B-E0B8894B79EA}" type="datetimeFigureOut">
               <a:rPr lang="en-US" smtClean="0"/>
-              <a:t>7/13/19</a:t>
+              <a:t>7/19/19</a:t>
             </a:fld>
             <a:endParaRPr lang="en-US"/>
           </a:p>
@@ -3401,7 +3038,7 @@
           <a:p>
             <a:fld id="{F4356D17-FE2B-4A42-AE6B-E0B8894B79EA}" type="datetimeFigureOut">
               <a:rPr lang="en-US" smtClean="0"/>
-              <a:t>7/13/19</a:t>
+              <a:t>7/19/19</a:t>
             </a:fld>
             <a:endParaRPr lang="en-US"/>
           </a:p>
@@ -3678,7 +3315,7 @@
           <a:p>
             <a:fld id="{F4356D17-FE2B-4A42-AE6B-E0B8894B79EA}" type="datetimeFigureOut">
               <a:rPr lang="en-US" smtClean="0"/>
-              <a:t>7/13/19</a:t>
+              <a:t>7/19/19</a:t>
             </a:fld>
             <a:endParaRPr lang="en-US"/>
           </a:p>
@@ -3931,7 +3568,7 @@
           <a:p>
             <a:fld id="{F4356D17-FE2B-4A42-AE6B-E0B8894B79EA}" type="datetimeFigureOut">
               <a:rPr lang="en-US" smtClean="0"/>
-              <a:t>7/13/19</a:t>
+              <a:t>7/19/19</a:t>
             </a:fld>
             <a:endParaRPr lang="en-US"/>
           </a:p>
@@ -4144,7 +3781,7 @@
           <a:p>
             <a:fld id="{F4356D17-FE2B-4A42-AE6B-E0B8894B79EA}" type="datetimeFigureOut">
               <a:rPr lang="en-US" smtClean="0"/>
-              <a:t>7/13/19</a:t>
+              <a:t>7/19/19</a:t>
             </a:fld>
             <a:endParaRPr lang="en-US"/>
           </a:p>
@@ -4725,493 +4362,6 @@
             <a:spLocks noGrp="1"/>
           </p:cNvSpPr>
           <p:nvPr>
-            <p:ph type="title"/>
-          </p:nvPr>
-        </p:nvSpPr>
-        <p:spPr/>
-        <p:txBody>
-          <a:bodyPr/>
-          <a:lstStyle/>
-          <a:p>
-            <a:r>
-              <a:rPr lang="en-US" dirty="0"/>
-              <a:t>Placement</a:t>
-            </a:r>
-            <a:endParaRPr lang="en-US" dirty="0">
-              <a:latin typeface="Segoe UI Light" panose="020B0502040204020203" pitchFamily="34" charset="0"/>
-              <a:cs typeface="Segoe UI Light" panose="020B0502040204020203" pitchFamily="34" charset="0"/>
-            </a:endParaRPr>
-          </a:p>
-        </p:txBody>
-      </p:sp>
-      <p:sp>
-        <p:nvSpPr>
-          <p:cNvPr id="5" name="Content Placeholder 4"/>
-          <p:cNvSpPr>
-            <a:spLocks noGrp="1"/>
-          </p:cNvSpPr>
-          <p:nvPr>
-            <p:ph idx="1"/>
-          </p:nvPr>
-        </p:nvSpPr>
-        <p:spPr/>
-        <p:txBody>
-          <a:bodyPr>
-            <a:normAutofit/>
-          </a:bodyPr>
-          <a:lstStyle/>
-          <a:p>
-            <a:r>
-              <a:rPr lang="en-NZ" sz="2400" dirty="0"/>
-              <a:t>December to February Fixed Time</a:t>
-            </a:r>
-          </a:p>
-          <a:p>
-            <a:r>
-              <a:rPr lang="en-NZ" sz="2400" dirty="0"/>
-              <a:t>Expectation of time, please determine with employers at evening</a:t>
-            </a:r>
-          </a:p>
-          <a:p>
-            <a:r>
-              <a:rPr lang="en-NZ" sz="2400" dirty="0"/>
-              <a:t>All employers will pay minimum of $1500 per placement to cover your costs, many may pay more (including full wage). You can discuss this.</a:t>
-            </a:r>
-          </a:p>
-          <a:p>
-            <a:r>
-              <a:rPr lang="en-NZ" sz="2400" dirty="0"/>
-              <a:t>You will get what you put into it. </a:t>
-            </a:r>
-          </a:p>
-          <a:p>
-            <a:r>
-              <a:rPr lang="en-NZ" sz="2400" dirty="0"/>
-              <a:t>Discuss leave and other concerns with employers. </a:t>
-            </a:r>
-          </a:p>
-          <a:p>
-            <a:endParaRPr lang="en-NZ" sz="2400" dirty="0"/>
-          </a:p>
-        </p:txBody>
-      </p:sp>
-    </p:spTree>
-    <p:extLst>
-      <p:ext uri="{BB962C8B-B14F-4D97-AF65-F5344CB8AC3E}">
-        <p14:creationId xmlns:p14="http://schemas.microsoft.com/office/powerpoint/2010/main" val="2578953657"/>
-      </p:ext>
-    </p:extLst>
-  </p:cSld>
-  <p:clrMapOvr>
-    <a:masterClrMapping/>
-  </p:clrMapOvr>
-</p:sld>
-</file>
-
-<file path=ppt/slides/slide11.xml><?xml version="1.0" encoding="utf-8"?>
-<p:sld xmlns:a="http://schemas.openxmlformats.org/drawingml/2006/main" xmlns:r="http://schemas.openxmlformats.org/officeDocument/2006/relationships" xmlns:p="http://schemas.openxmlformats.org/presentationml/2006/main">
-  <p:cSld>
-    <p:spTree>
-      <p:nvGrpSpPr>
-        <p:cNvPr id="1" name=""/>
-        <p:cNvGrpSpPr/>
-        <p:nvPr/>
-      </p:nvGrpSpPr>
-      <p:grpSpPr>
-        <a:xfrm>
-          <a:off x="0" y="0"/>
-          <a:ext cx="0" cy="0"/>
-          <a:chOff x="0" y="0"/>
-          <a:chExt cx="0" cy="0"/>
-        </a:xfrm>
-      </p:grpSpPr>
-      <p:sp>
-        <p:nvSpPr>
-          <p:cNvPr id="2" name="Title 1"/>
-          <p:cNvSpPr>
-            <a:spLocks noGrp="1"/>
-          </p:cNvSpPr>
-          <p:nvPr>
-            <p:ph type="title"/>
-          </p:nvPr>
-        </p:nvSpPr>
-        <p:spPr/>
-        <p:txBody>
-          <a:bodyPr/>
-          <a:lstStyle/>
-          <a:p>
-            <a:r>
-              <a:rPr lang="en-US" dirty="0"/>
-              <a:t>FAQs</a:t>
-            </a:r>
-            <a:endParaRPr lang="en-US" dirty="0">
-              <a:latin typeface="Segoe UI Light" panose="020B0502040204020203" pitchFamily="34" charset="0"/>
-              <a:cs typeface="Segoe UI Light" panose="020B0502040204020203" pitchFamily="34" charset="0"/>
-            </a:endParaRPr>
-          </a:p>
-        </p:txBody>
-      </p:sp>
-      <p:sp>
-        <p:nvSpPr>
-          <p:cNvPr id="5" name="Content Placeholder 4"/>
-          <p:cNvSpPr>
-            <a:spLocks noGrp="1"/>
-          </p:cNvSpPr>
-          <p:nvPr>
-            <p:ph idx="1"/>
-          </p:nvPr>
-        </p:nvSpPr>
-        <p:spPr/>
-        <p:txBody>
-          <a:bodyPr>
-            <a:normAutofit/>
-          </a:bodyPr>
-          <a:lstStyle/>
-          <a:p>
-            <a:r>
-              <a:rPr lang="en-NZ" sz="3200" dirty="0"/>
-              <a:t>You can pull out of placement until Assessment Day</a:t>
-            </a:r>
-          </a:p>
-          <a:p>
-            <a:r>
-              <a:rPr lang="en-NZ" sz="3200" dirty="0"/>
-              <a:t>You are assessed as a team too – so work well or tell us</a:t>
-            </a:r>
-          </a:p>
-        </p:txBody>
-      </p:sp>
-    </p:spTree>
-    <p:extLst>
-      <p:ext uri="{BB962C8B-B14F-4D97-AF65-F5344CB8AC3E}">
-        <p14:creationId xmlns:p14="http://schemas.microsoft.com/office/powerpoint/2010/main" val="1238501314"/>
-      </p:ext>
-    </p:extLst>
-  </p:cSld>
-  <p:clrMapOvr>
-    <a:masterClrMapping/>
-  </p:clrMapOvr>
-</p:sld>
-</file>
-
-<file path=ppt/slides/slide12.xml><?xml version="1.0" encoding="utf-8"?>
-<p:sld xmlns:a="http://schemas.openxmlformats.org/drawingml/2006/main" xmlns:r="http://schemas.openxmlformats.org/officeDocument/2006/relationships" xmlns:p="http://schemas.openxmlformats.org/presentationml/2006/main">
-  <p:cSld>
-    <p:spTree>
-      <p:nvGrpSpPr>
-        <p:cNvPr id="1" name=""/>
-        <p:cNvGrpSpPr/>
-        <p:nvPr/>
-      </p:nvGrpSpPr>
-      <p:grpSpPr>
-        <a:xfrm>
-          <a:off x="0" y="0"/>
-          <a:ext cx="0" cy="0"/>
-          <a:chOff x="0" y="0"/>
-          <a:chExt cx="0" cy="0"/>
-        </a:xfrm>
-      </p:grpSpPr>
-      <p:sp>
-        <p:nvSpPr>
-          <p:cNvPr id="3" name="Title 2"/>
-          <p:cNvSpPr>
-            <a:spLocks noGrp="1"/>
-          </p:cNvSpPr>
-          <p:nvPr>
-            <p:ph type="title"/>
-          </p:nvPr>
-        </p:nvSpPr>
-        <p:spPr>
-          <a:xfrm>
-            <a:off x="1550957" y="2241976"/>
-            <a:ext cx="5575674" cy="899665"/>
-          </a:xfrm>
-        </p:spPr>
-        <p:txBody>
-          <a:bodyPr>
-            <a:normAutofit/>
-          </a:bodyPr>
-          <a:lstStyle/>
-          <a:p>
-            <a:r>
-              <a:rPr lang="en-NZ" dirty="0">
-                <a:latin typeface="Segoe UI Light" panose="020B0502040204020203" pitchFamily="34" charset="0"/>
-                <a:cs typeface="Segoe UI Light" panose="020B0502040204020203" pitchFamily="34" charset="0"/>
-              </a:rPr>
-              <a:t>Need Help or Advice?</a:t>
-            </a:r>
-          </a:p>
-        </p:txBody>
-      </p:sp>
-      <p:pic>
-        <p:nvPicPr>
-          <p:cNvPr id="4" name="Picture 3"/>
-          <p:cNvPicPr>
-            <a:picLocks noChangeAspect="1"/>
-          </p:cNvPicPr>
-          <p:nvPr/>
-        </p:nvPicPr>
-        <p:blipFill>
-          <a:blip r:embed="rId2"/>
-          <a:stretch>
-            <a:fillRect/>
-          </a:stretch>
-        </p:blipFill>
-        <p:spPr>
-          <a:xfrm>
-            <a:off x="8674929" y="-2354118"/>
-            <a:ext cx="1711928" cy="7248934"/>
-          </a:xfrm>
-          <a:prstGeom prst="rect">
-            <a:avLst/>
-          </a:prstGeom>
-        </p:spPr>
-      </p:pic>
-      <p:sp>
-        <p:nvSpPr>
-          <p:cNvPr id="5" name="TextBox 4"/>
-          <p:cNvSpPr txBox="1"/>
-          <p:nvPr/>
-        </p:nvSpPr>
-        <p:spPr>
-          <a:xfrm>
-            <a:off x="2006906" y="3361250"/>
-            <a:ext cx="4862367" cy="741008"/>
-          </a:xfrm>
-          <a:prstGeom prst="rect">
-            <a:avLst/>
-          </a:prstGeom>
-          <a:noFill/>
-        </p:spPr>
-        <p:txBody>
-          <a:bodyPr wrap="square" lIns="179252" tIns="143401" rIns="179252" bIns="143401" rtlCol="0">
-            <a:spAutoFit/>
-          </a:bodyPr>
-          <a:lstStyle/>
-          <a:p>
-            <a:pPr defTabSz="914192">
-              <a:lnSpc>
-                <a:spcPct val="90000"/>
-              </a:lnSpc>
-              <a:spcAft>
-                <a:spcPts val="588"/>
-              </a:spcAft>
-            </a:pPr>
-            <a:r>
-              <a:rPr lang="en-NZ" sz="3200" dirty="0">
-                <a:gradFill>
-                  <a:gsLst>
-                    <a:gs pos="2917">
-                      <a:srgbClr val="FFFFFF"/>
-                    </a:gs>
-                    <a:gs pos="30000">
-                      <a:srgbClr val="FFFFFF"/>
-                    </a:gs>
-                  </a:gsLst>
-                  <a:lin ang="5400000" scaled="0"/>
-                </a:gradFill>
-                <a:latin typeface="Segoe UI Light" panose="020B0502040204020203" pitchFamily="34" charset="0"/>
-                <a:cs typeface="Segoe UI Light" panose="020B0502040204020203" pitchFamily="34" charset="0"/>
-                <a:hlinkClick r:id="rId3"/>
-              </a:rPr>
-              <a:t>nzmsa@microsoft.com</a:t>
-            </a:r>
-            <a:r>
-              <a:rPr lang="en-NZ" sz="3200" dirty="0">
-                <a:gradFill>
-                  <a:gsLst>
-                    <a:gs pos="2917">
-                      <a:srgbClr val="FFFFFF"/>
-                    </a:gs>
-                    <a:gs pos="30000">
-                      <a:srgbClr val="FFFFFF"/>
-                    </a:gs>
-                  </a:gsLst>
-                  <a:lin ang="5400000" scaled="0"/>
-                </a:gradFill>
-                <a:latin typeface="Segoe UI Light" panose="020B0502040204020203" pitchFamily="34" charset="0"/>
-                <a:cs typeface="Segoe UI Light" panose="020B0502040204020203" pitchFamily="34" charset="0"/>
-              </a:rPr>
-              <a:t> </a:t>
-            </a:r>
-            <a:endParaRPr lang="en-NZ" sz="3200" dirty="0">
-              <a:latin typeface="Segoe UI Light" panose="020B0502040204020203" pitchFamily="34" charset="0"/>
-              <a:cs typeface="Segoe UI Light" panose="020B0502040204020203" pitchFamily="34" charset="0"/>
-            </a:endParaRPr>
-          </a:p>
-        </p:txBody>
-      </p:sp>
-      <p:sp>
-        <p:nvSpPr>
-          <p:cNvPr id="2" name="Rectangle 1"/>
-          <p:cNvSpPr/>
-          <p:nvPr/>
-        </p:nvSpPr>
-        <p:spPr>
-          <a:xfrm>
-            <a:off x="0" y="0"/>
-            <a:ext cx="12192000" cy="6858000"/>
-          </a:xfrm>
-          <a:prstGeom prst="rect">
-            <a:avLst/>
-          </a:prstGeom>
-          <a:solidFill>
-            <a:schemeClr val="tx1"/>
-          </a:solidFill>
-          <a:ln>
-            <a:solidFill>
-              <a:schemeClr val="tx1"/>
-            </a:solidFill>
-          </a:ln>
-        </p:spPr>
-        <p:style>
-          <a:lnRef idx="1">
-            <a:schemeClr val="accent1"/>
-          </a:lnRef>
-          <a:fillRef idx="3">
-            <a:schemeClr val="accent1"/>
-          </a:fillRef>
-          <a:effectRef idx="2">
-            <a:schemeClr val="accent1"/>
-          </a:effectRef>
-          <a:fontRef idx="minor">
-            <a:schemeClr val="lt1"/>
-          </a:fontRef>
-        </p:style>
-        <p:txBody>
-          <a:bodyPr rtlCol="0" anchor="ctr"/>
-          <a:lstStyle/>
-          <a:p>
-            <a:pPr algn="ctr"/>
-            <a:endParaRPr lang="en-US"/>
-          </a:p>
-        </p:txBody>
-      </p:sp>
-    </p:spTree>
-    <p:extLst>
-      <p:ext uri="{BB962C8B-B14F-4D97-AF65-F5344CB8AC3E}">
-        <p14:creationId xmlns:p14="http://schemas.microsoft.com/office/powerpoint/2010/main" val="802621815"/>
-      </p:ext>
-    </p:extLst>
-  </p:cSld>
-  <p:clrMapOvr>
-    <a:masterClrMapping/>
-  </p:clrMapOvr>
-  <p:transition>
-    <p:fade/>
-  </p:transition>
-</p:sld>
-</file>
-
-<file path=ppt/slides/slide13.xml><?xml version="1.0" encoding="utf-8"?>
-<p:sld xmlns:a="http://schemas.openxmlformats.org/drawingml/2006/main" xmlns:r="http://schemas.openxmlformats.org/officeDocument/2006/relationships" xmlns:p="http://schemas.openxmlformats.org/presentationml/2006/main">
-  <p:cSld>
-    <p:spTree>
-      <p:nvGrpSpPr>
-        <p:cNvPr id="1" name=""/>
-        <p:cNvGrpSpPr/>
-        <p:nvPr/>
-      </p:nvGrpSpPr>
-      <p:grpSpPr>
-        <a:xfrm>
-          <a:off x="0" y="0"/>
-          <a:ext cx="0" cy="0"/>
-          <a:chOff x="0" y="0"/>
-          <a:chExt cx="0" cy="0"/>
-        </a:xfrm>
-      </p:grpSpPr>
-      <p:sp>
-        <p:nvSpPr>
-          <p:cNvPr id="2" name="Title 1"/>
-          <p:cNvSpPr>
-            <a:spLocks noGrp="1"/>
-          </p:cNvSpPr>
-          <p:nvPr>
-            <p:ph type="title"/>
-          </p:nvPr>
-        </p:nvSpPr>
-        <p:spPr/>
-        <p:txBody>
-          <a:bodyPr/>
-          <a:lstStyle/>
-          <a:p>
-            <a:r>
-              <a:rPr lang="en-US" dirty="0"/>
-              <a:t>This will be you!</a:t>
-            </a:r>
-          </a:p>
-        </p:txBody>
-      </p:sp>
-      <p:pic>
-        <p:nvPicPr>
-          <p:cNvPr id="4" name="Content Placeholder 3" descr="Hero.jpg"/>
-          <p:cNvPicPr>
-            <a:picLocks noGrp="1" noChangeAspect="1"/>
-          </p:cNvPicPr>
-          <p:nvPr>
-            <p:ph idx="1"/>
-          </p:nvPr>
-        </p:nvPicPr>
-        <p:blipFill>
-          <a:blip r:embed="rId3">
-            <a:extLst>
-              <a:ext uri="{28A0092B-C50C-407E-A947-70E740481C1C}">
-                <a14:useLocalDpi xmlns:a14="http://schemas.microsoft.com/office/drawing/2010/main" val="0"/>
-              </a:ext>
-            </a:extLst>
-          </a:blip>
-          <a:srcRect t="-10189" b="-10189"/>
-          <a:stretch>
-            <a:fillRect/>
-          </a:stretch>
-        </p:blipFill>
-        <p:spPr>
-          <a:xfrm>
-            <a:off x="0" y="1222035"/>
-            <a:ext cx="12210800" cy="5052809"/>
-          </a:xfrm>
-          <a:prstGeom prst="rect">
-            <a:avLst/>
-          </a:prstGeom>
-        </p:spPr>
-      </p:pic>
-    </p:spTree>
-    <p:extLst>
-      <p:ext uri="{BB962C8B-B14F-4D97-AF65-F5344CB8AC3E}">
-        <p14:creationId xmlns:p14="http://schemas.microsoft.com/office/powerpoint/2010/main" val="2151758917"/>
-      </p:ext>
-    </p:extLst>
-  </p:cSld>
-  <p:clrMapOvr>
-    <a:masterClrMapping/>
-  </p:clrMapOvr>
-</p:sld>
-</file>
-
-<file path=ppt/slides/slide14.xml><?xml version="1.0" encoding="utf-8"?>
-<p:sld xmlns:a="http://schemas.openxmlformats.org/drawingml/2006/main" xmlns:r="http://schemas.openxmlformats.org/officeDocument/2006/relationships" xmlns:p="http://schemas.openxmlformats.org/presentationml/2006/main">
-  <p:cSld>
-    <p:spTree>
-      <p:nvGrpSpPr>
-        <p:cNvPr id="1" name=""/>
-        <p:cNvGrpSpPr/>
-        <p:nvPr/>
-      </p:nvGrpSpPr>
-      <p:grpSpPr>
-        <a:xfrm>
-          <a:off x="0" y="0"/>
-          <a:ext cx="0" cy="0"/>
-          <a:chOff x="0" y="0"/>
-          <a:chExt cx="0" cy="0"/>
-        </a:xfrm>
-      </p:grpSpPr>
-      <p:sp>
-        <p:nvSpPr>
-          <p:cNvPr id="2" name="Title 1"/>
-          <p:cNvSpPr>
-            <a:spLocks noGrp="1"/>
-          </p:cNvSpPr>
-          <p:nvPr>
             <p:ph type="ctrTitle"/>
           </p:nvPr>
         </p:nvSpPr>
@@ -5341,8 +4491,8 @@
           <a:lstStyle/>
           <a:p>
             <a:r>
-              <a:rPr lang="en-NZ" dirty="0"/>
-              <a:t>Goal of Phase 2</a:t>
+              <a:rPr lang="en-US" dirty="0"/>
+              <a:t>Today’s schedule</a:t>
             </a:r>
           </a:p>
         </p:txBody>
@@ -5362,35 +4512,56 @@
           <a:bodyPr/>
           <a:lstStyle/>
           <a:p>
+            <a:r>
+              <a:rPr lang="en-US" dirty="0"/>
+              <a:t>Introduction (10am)</a:t>
+            </a:r>
+          </a:p>
+          <a:p>
+            <a:r>
+              <a:rPr lang="en-US" dirty="0"/>
+              <a:t>GitHub </a:t>
+            </a:r>
+          </a:p>
+          <a:p>
+            <a:r>
+              <a:rPr lang="en-US" dirty="0"/>
+              <a:t>User interface creation</a:t>
+            </a:r>
+          </a:p>
+          <a:p>
+            <a:r>
+              <a:rPr lang="en-US" dirty="0"/>
+              <a:t>Lunch (~12pm)</a:t>
+            </a:r>
+          </a:p>
+          <a:p>
+            <a:r>
+              <a:rPr lang="en-US" dirty="0"/>
+              <a:t>All things API (1:30pm)</a:t>
+            </a:r>
+          </a:p>
+          <a:p>
+            <a:r>
+              <a:rPr lang="en-US" dirty="0"/>
+              <a:t>Closing (4:30pm)</a:t>
+            </a:r>
+          </a:p>
+          <a:p>
             <a:pPr marL="0" indent="0">
               <a:buNone/>
             </a:pPr>
-            <a:r>
-              <a:rPr lang="en-NZ" dirty="0"/>
-              <a:t>To prepare you technically and socially for placement in the New Zealand IT Industry.</a:t>
-            </a:r>
-          </a:p>
-          <a:p>
-            <a:pPr marL="0" indent="0">
-              <a:buNone/>
-            </a:pPr>
-            <a:endParaRPr lang="en-NZ" dirty="0"/>
-          </a:p>
-          <a:p>
-            <a:pPr marL="0" indent="0">
-              <a:buNone/>
-            </a:pPr>
-            <a:r>
-              <a:rPr lang="en-NZ" dirty="0"/>
-              <a:t>You are expected to think for yourself in Phase 2. Show us what you have tried and your thought process.</a:t>
-            </a:r>
+            <a:endParaRPr lang="en-US" dirty="0"/>
+          </a:p>
+          <a:p>
+            <a:endParaRPr lang="en-US" dirty="0"/>
           </a:p>
         </p:txBody>
       </p:sp>
     </p:spTree>
     <p:extLst>
       <p:ext uri="{BB962C8B-B14F-4D97-AF65-F5344CB8AC3E}">
-        <p14:creationId xmlns:p14="http://schemas.microsoft.com/office/powerpoint/2010/main" val="874352606"/>
+        <p14:creationId xmlns:p14="http://schemas.microsoft.com/office/powerpoint/2010/main" val="4233348229"/>
       </p:ext>
     </p:extLst>
   </p:cSld>
@@ -5434,18 +4605,14 @@
           <a:p>
             <a:r>
               <a:rPr lang="en-US" dirty="0"/>
-              <a:t>Recap of MSA</a:t>
-            </a:r>
-            <a:endParaRPr lang="en-US" dirty="0">
-              <a:latin typeface="Segoe UI Light" panose="020B0502040204020203" pitchFamily="34" charset="0"/>
-              <a:cs typeface="Segoe UI Light" panose="020B0502040204020203" pitchFamily="34" charset="0"/>
-            </a:endParaRPr>
-          </a:p>
-        </p:txBody>
-      </p:sp>
-      <p:sp>
-        <p:nvSpPr>
-          <p:cNvPr id="3" name="Subtitle 2"/>
+              <a:t>Tomorrow’s schedule</a:t>
+            </a:r>
+          </a:p>
+        </p:txBody>
+      </p:sp>
+      <p:sp>
+        <p:nvSpPr>
+          <p:cNvPr id="3" name="Content Placeholder 2"/>
           <p:cNvSpPr>
             <a:spLocks noGrp="1"/>
           </p:cNvSpPr>
@@ -5455,94 +4622,76 @@
         </p:nvSpPr>
         <p:spPr/>
         <p:txBody>
-          <a:bodyPr/>
+          <a:bodyPr>
+            <a:normAutofit lnSpcReduction="10000"/>
+          </a:bodyPr>
           <a:lstStyle/>
           <a:p>
             <a:r>
               <a:rPr lang="en-US" dirty="0"/>
-              <a:t>You’ve built a web app using React + Type script</a:t>
+              <a:t>Introduction 10am</a:t>
             </a:r>
           </a:p>
           <a:p>
             <a:r>
               <a:rPr lang="en-US" dirty="0"/>
-              <a:t>Source control using GitHub</a:t>
+              <a:t>Deployment </a:t>
             </a:r>
           </a:p>
           <a:p>
             <a:r>
               <a:rPr lang="en-US" dirty="0"/>
-              <a:t>Most of you have used Docker for deploying your front end</a:t>
-            </a:r>
-          </a:p>
-        </p:txBody>
-      </p:sp>
-      <p:sp>
-        <p:nvSpPr>
-          <p:cNvPr id="4" name="TextBox 3"/>
-          <p:cNvSpPr txBox="1"/>
-          <p:nvPr/>
-        </p:nvSpPr>
-        <p:spPr>
-          <a:xfrm>
-            <a:off x="2882900" y="6261100"/>
-            <a:ext cx="7213600" cy="646331"/>
-          </a:xfrm>
-          <a:prstGeom prst="rect">
-            <a:avLst/>
-          </a:prstGeom>
-          <a:noFill/>
-        </p:spPr>
-        <p:txBody>
-          <a:bodyPr wrap="square" rtlCol="0">
-            <a:spAutoFit/>
-          </a:bodyPr>
-          <a:lstStyle/>
-          <a:p>
-            <a:r>
-              <a:rPr lang="en-US" dirty="0">
-                <a:solidFill>
-                  <a:schemeClr val="bg1"/>
-                </a:solidFill>
-              </a:rPr>
-              <a:t>This section is NOT assessed. We just want to get to know</a:t>
-            </a:r>
-            <a:r>
-              <a:rPr lang="en-US" baseline="0" dirty="0">
-                <a:solidFill>
-                  <a:schemeClr val="bg1"/>
-                </a:solidFill>
-              </a:rPr>
-              <a:t> you </a:t>
-            </a:r>
-            <a:r>
-              <a:rPr lang="en-US" baseline="0" dirty="0">
-                <a:solidFill>
-                  <a:schemeClr val="bg1"/>
-                </a:solidFill>
-                <a:sym typeface="Wingdings" panose="05000000000000000000" pitchFamily="2" charset="2"/>
-              </a:rPr>
-              <a:t>.</a:t>
-            </a:r>
-            <a:endParaRPr lang="en-US" dirty="0">
-              <a:solidFill>
-                <a:schemeClr val="bg1"/>
-              </a:solidFill>
-            </a:endParaRPr>
-          </a:p>
-          <a:p>
-            <a:endParaRPr lang="en-US" dirty="0">
-              <a:solidFill>
-                <a:schemeClr val="bg1"/>
-              </a:solidFill>
-            </a:endParaRPr>
+              <a:t>Unit testing</a:t>
+            </a:r>
+          </a:p>
+          <a:p>
+            <a:r>
+              <a:rPr lang="en-US" dirty="0"/>
+              <a:t>Lunch (~12pm)</a:t>
+            </a:r>
+          </a:p>
+          <a:p>
+            <a:r>
+              <a:rPr lang="en-US" dirty="0"/>
+              <a:t>Accessibility(1:30pm)</a:t>
+            </a:r>
+          </a:p>
+          <a:p>
+            <a:r>
+              <a:rPr lang="en-US" dirty="0"/>
+              <a:t>Authentication</a:t>
+            </a:r>
+          </a:p>
+          <a:p>
+            <a:r>
+              <a:rPr lang="en-US" dirty="0"/>
+              <a:t>Expectations on other advanced features. (3:30pm)</a:t>
+            </a:r>
+          </a:p>
+          <a:p>
+            <a:r>
+              <a:rPr lang="en-US" dirty="0"/>
+              <a:t>Assessment briefing / Imagine Cup</a:t>
+            </a:r>
+          </a:p>
+          <a:p>
+            <a:r>
+              <a:rPr lang="en-US" dirty="0"/>
+              <a:t>Closing (4:00pm)</a:t>
+            </a:r>
+          </a:p>
+          <a:p>
+            <a:endParaRPr lang="en-US" dirty="0"/>
+          </a:p>
+          <a:p>
+            <a:endParaRPr lang="en-US" dirty="0"/>
           </a:p>
         </p:txBody>
       </p:sp>
     </p:spTree>
     <p:extLst>
       <p:ext uri="{BB962C8B-B14F-4D97-AF65-F5344CB8AC3E}">
-        <p14:creationId xmlns:p14="http://schemas.microsoft.com/office/powerpoint/2010/main" val="1596400149"/>
+        <p14:creationId xmlns:p14="http://schemas.microsoft.com/office/powerpoint/2010/main" val="1473513844"/>
       </p:ext>
     </p:extLst>
   </p:cSld>
@@ -5586,14 +4735,18 @@
           <a:p>
             <a:r>
               <a:rPr lang="en-US" dirty="0"/>
-              <a:t>Today’s schedule</a:t>
-            </a:r>
-          </a:p>
-        </p:txBody>
-      </p:sp>
-      <p:sp>
-        <p:nvSpPr>
-          <p:cNvPr id="3" name="Content Placeholder 2"/>
+              <a:t>Assessment</a:t>
+            </a:r>
+            <a:endParaRPr lang="en-US" dirty="0">
+              <a:latin typeface="Segoe UI Light" panose="020B0502040204020203" pitchFamily="34" charset="0"/>
+              <a:cs typeface="Segoe UI Light" panose="020B0502040204020203" pitchFamily="34" charset="0"/>
+            </a:endParaRPr>
+          </a:p>
+        </p:txBody>
+      </p:sp>
+      <p:sp>
+        <p:nvSpPr>
+          <p:cNvPr id="5" name="Content Placeholder 4"/>
           <p:cNvSpPr>
             <a:spLocks noGrp="1"/>
           </p:cNvSpPr>
@@ -5607,55 +4760,62 @@
           <a:lstStyle/>
           <a:p>
             <a:r>
-              <a:rPr lang="en-US" dirty="0"/>
-              <a:t>Introduction (10am)</a:t>
-            </a:r>
-          </a:p>
-          <a:p>
-            <a:r>
-              <a:rPr lang="en-US" dirty="0"/>
-              <a:t>GitHub </a:t>
-            </a:r>
-          </a:p>
-          <a:p>
-            <a:r>
-              <a:rPr lang="en-US" dirty="0"/>
-              <a:t>User interface creation</a:t>
-            </a:r>
-          </a:p>
-          <a:p>
-            <a:r>
-              <a:rPr lang="en-US" dirty="0"/>
-              <a:t>Lunch (~12pm)</a:t>
-            </a:r>
-          </a:p>
-          <a:p>
-            <a:r>
-              <a:rPr lang="en-US" dirty="0"/>
-              <a:t>All things API (1:30pm)</a:t>
-            </a:r>
-          </a:p>
-          <a:p>
-            <a:r>
-              <a:rPr lang="en-US" dirty="0"/>
-              <a:t>Closing (4:30pm)</a:t>
-            </a:r>
-          </a:p>
-          <a:p>
-            <a:pPr marL="0" indent="0">
-              <a:buNone/>
-            </a:pPr>
-            <a:endParaRPr lang="en-US" dirty="0"/>
-          </a:p>
-          <a:p>
-            <a:endParaRPr lang="en-US" dirty="0"/>
+              <a:rPr lang="en-NZ" dirty="0"/>
+              <a:t>17</a:t>
+            </a:r>
+            <a:r>
+              <a:rPr lang="en-NZ" baseline="30000" dirty="0"/>
+              <a:t>th</a:t>
+            </a:r>
+            <a:r>
+              <a:rPr lang="en-NZ" dirty="0"/>
+              <a:t> August 2019</a:t>
+            </a:r>
+          </a:p>
+          <a:p>
+            <a:r>
+              <a:rPr lang="en-NZ" dirty="0"/>
+              <a:t>You must pass the in-person assessment to get placement</a:t>
+            </a:r>
+          </a:p>
+          <a:p>
+            <a:r>
+              <a:rPr lang="en-NZ" dirty="0"/>
+              <a:t>We assess both your technical skills and your soft skills.</a:t>
+            </a:r>
+          </a:p>
+          <a:p>
+            <a:r>
+              <a:rPr lang="en-NZ" dirty="0"/>
+              <a:t>We will release the criteria tomorrow.</a:t>
+            </a:r>
+          </a:p>
+          <a:p>
+            <a:r>
+              <a:rPr lang="en-NZ" b="1" dirty="0"/>
+              <a:t>Do NOT plagiarise </a:t>
+            </a:r>
+          </a:p>
+          <a:p>
+            <a:r>
+              <a:rPr lang="en-NZ" dirty="0"/>
+              <a:t>You will book your </a:t>
+            </a:r>
+            <a:r>
+              <a:rPr lang="en-NZ" b="1" dirty="0"/>
+              <a:t>interview</a:t>
+            </a:r>
+            <a:r>
+              <a:rPr lang="en-NZ" dirty="0"/>
+              <a:t> time, we will share the link tomorrow. </a:t>
+            </a:r>
           </a:p>
         </p:txBody>
       </p:sp>
     </p:spTree>
     <p:extLst>
       <p:ext uri="{BB962C8B-B14F-4D97-AF65-F5344CB8AC3E}">
-        <p14:creationId xmlns:p14="http://schemas.microsoft.com/office/powerpoint/2010/main" val="4233348229"/>
+        <p14:creationId xmlns:p14="http://schemas.microsoft.com/office/powerpoint/2010/main" val="1599382233"/>
       </p:ext>
     </p:extLst>
   </p:cSld>
@@ -5699,14 +4859,18 @@
           <a:p>
             <a:r>
               <a:rPr lang="en-US" dirty="0"/>
-              <a:t>Tomorrow’s schedule</a:t>
-            </a:r>
-          </a:p>
-        </p:txBody>
-      </p:sp>
-      <p:sp>
-        <p:nvSpPr>
-          <p:cNvPr id="3" name="Content Placeholder 2"/>
+              <a:t>Imagine Cup</a:t>
+            </a:r>
+            <a:endParaRPr lang="en-US" dirty="0">
+              <a:latin typeface="Segoe UI Light" panose="020B0502040204020203" pitchFamily="34" charset="0"/>
+              <a:cs typeface="Segoe UI Light" panose="020B0502040204020203" pitchFamily="34" charset="0"/>
+            </a:endParaRPr>
+          </a:p>
+        </p:txBody>
+      </p:sp>
+      <p:sp>
+        <p:nvSpPr>
+          <p:cNvPr id="5" name="Content Placeholder 4"/>
           <p:cNvSpPr>
             <a:spLocks noGrp="1"/>
           </p:cNvSpPr>
@@ -5716,76 +4880,34 @@
         </p:nvSpPr>
         <p:spPr/>
         <p:txBody>
-          <a:bodyPr>
-            <a:normAutofit lnSpcReduction="10000"/>
-          </a:bodyPr>
-          <a:lstStyle/>
-          <a:p>
-            <a:r>
-              <a:rPr lang="en-US" dirty="0"/>
-              <a:t>Introduction 10am</a:t>
-            </a:r>
-          </a:p>
-          <a:p>
-            <a:r>
-              <a:rPr lang="en-US" dirty="0"/>
-              <a:t>Deployment </a:t>
-            </a:r>
-          </a:p>
-          <a:p>
-            <a:r>
-              <a:rPr lang="en-US" dirty="0"/>
-              <a:t>Unit testing</a:t>
-            </a:r>
-          </a:p>
-          <a:p>
-            <a:r>
-              <a:rPr lang="en-US" dirty="0"/>
-              <a:t>Lunch (~12pm)</a:t>
-            </a:r>
-          </a:p>
-          <a:p>
-            <a:r>
-              <a:rPr lang="en-US" dirty="0"/>
-              <a:t>Accessibility(1:30pm)</a:t>
-            </a:r>
-          </a:p>
-          <a:p>
-            <a:r>
-              <a:rPr lang="en-US" dirty="0"/>
-              <a:t>Authentication</a:t>
-            </a:r>
-          </a:p>
-          <a:p>
-            <a:r>
-              <a:rPr lang="en-US" dirty="0"/>
-              <a:t>Expectations on other advanced features. (3:30pm)</a:t>
-            </a:r>
-          </a:p>
-          <a:p>
-            <a:r>
-              <a:rPr lang="en-US" dirty="0"/>
-              <a:t>Assessment briefing / Imagine Cup</a:t>
-            </a:r>
-          </a:p>
-          <a:p>
-            <a:r>
-              <a:rPr lang="en-US" dirty="0"/>
-              <a:t>Closing (4:00pm)</a:t>
-            </a:r>
-          </a:p>
-          <a:p>
-            <a:endParaRPr lang="en-US" dirty="0"/>
-          </a:p>
-          <a:p>
-            <a:endParaRPr lang="en-US" dirty="0"/>
+          <a:bodyPr/>
+          <a:lstStyle/>
+          <a:p>
+            <a:r>
+              <a:rPr lang="en-NZ" dirty="0"/>
+              <a:t>All MSA students get direct entry to the Imagine Cup</a:t>
+            </a:r>
+          </a:p>
+          <a:p>
+            <a:r>
+              <a:rPr lang="en-NZ" dirty="0"/>
+              <a:t>We will share more details with you at the soft skills event.</a:t>
+            </a:r>
+          </a:p>
+          <a:p>
+            <a:pPr marL="0" indent="0">
+              <a:buNone/>
+            </a:pPr>
+            <a:endParaRPr lang="en-NZ" dirty="0">
+              <a:hlinkClick r:id="" action="ppaction://noaction"/>
+            </a:endParaRPr>
           </a:p>
         </p:txBody>
       </p:sp>
     </p:spTree>
     <p:extLst>
       <p:ext uri="{BB962C8B-B14F-4D97-AF65-F5344CB8AC3E}">
-        <p14:creationId xmlns:p14="http://schemas.microsoft.com/office/powerpoint/2010/main" val="1473513844"/>
+        <p14:creationId xmlns:p14="http://schemas.microsoft.com/office/powerpoint/2010/main" val="3282137833"/>
       </p:ext>
     </p:extLst>
   </p:cSld>
@@ -5829,7 +4951,7 @@
           <a:p>
             <a:r>
               <a:rPr lang="en-US" dirty="0"/>
-              <a:t>Assessment</a:t>
+              <a:t>FAQs</a:t>
             </a:r>
             <a:endParaRPr lang="en-US" dirty="0">
               <a:latin typeface="Segoe UI Light" panose="020B0502040204020203" pitchFamily="34" charset="0"/>
@@ -5850,58 +4972,20 @@
         </p:nvSpPr>
         <p:spPr/>
         <p:txBody>
-          <a:bodyPr/>
-          <a:lstStyle/>
-          <a:p>
-            <a:r>
-              <a:rPr lang="en-NZ" dirty="0"/>
-              <a:t>17</a:t>
-            </a:r>
-            <a:r>
-              <a:rPr lang="en-NZ" baseline="30000" dirty="0"/>
-              <a:t>th</a:t>
-            </a:r>
-            <a:r>
-              <a:rPr lang="en-NZ" dirty="0"/>
-              <a:t> August 2019</a:t>
-            </a:r>
-          </a:p>
-          <a:p>
-            <a:r>
-              <a:rPr lang="en-NZ" dirty="0"/>
-              <a:t>You must pass the in-person assessment to get placement</a:t>
-            </a:r>
-          </a:p>
-          <a:p>
-            <a:r>
-              <a:rPr lang="en-NZ" dirty="0"/>
-              <a:t>We assess both your technical skills and your soft skills.</a:t>
-            </a:r>
-          </a:p>
-          <a:p>
-            <a:r>
-              <a:rPr lang="en-NZ" dirty="0"/>
-              <a:t>We will release the criteria tomorrow.</a:t>
-            </a:r>
-          </a:p>
-          <a:p>
-            <a:r>
-              <a:rPr lang="en-NZ" b="1" dirty="0"/>
-              <a:t>Do NOT plagiarise </a:t>
-            </a:r>
-          </a:p>
-          <a:p>
-            <a:r>
-              <a:rPr lang="en-NZ" dirty="0"/>
-              <a:t>You will book your </a:t>
-            </a:r>
-            <a:r>
-              <a:rPr lang="en-NZ" b="1" dirty="0"/>
-              <a:t>interview</a:t>
-            </a:r>
-            <a:r>
-              <a:rPr lang="en-NZ" dirty="0"/>
-              <a:t> time, we will share the link tomorrow. </a:t>
+          <a:bodyPr>
+            <a:normAutofit/>
+          </a:bodyPr>
+          <a:lstStyle/>
+          <a:p>
+            <a:r>
+              <a:rPr lang="en-NZ" sz="3200" dirty="0"/>
+              <a:t>You can pull out of placement until Assessment Day</a:t>
+            </a:r>
+          </a:p>
+          <a:p>
+            <a:r>
+              <a:rPr lang="en-NZ" sz="3200" dirty="0"/>
+              <a:t>You are assessed as a team too – so work well or tell us</a:t>
             </a:r>
           </a:p>
         </p:txBody>
@@ -5909,7 +4993,7 @@
     </p:spTree>
     <p:extLst>
       <p:ext uri="{BB962C8B-B14F-4D97-AF65-F5344CB8AC3E}">
-        <p14:creationId xmlns:p14="http://schemas.microsoft.com/office/powerpoint/2010/main" val="1599382233"/>
+        <p14:creationId xmlns:p14="http://schemas.microsoft.com/office/powerpoint/2010/main" val="1238501314"/>
       </p:ext>
     </p:extLst>
   </p:cSld>
@@ -5938,7 +5022,7 @@
       </p:grpSpPr>
       <p:sp>
         <p:nvSpPr>
-          <p:cNvPr id="2" name="Title 1"/>
+          <p:cNvPr id="3" name="Title 2"/>
           <p:cNvSpPr>
             <a:spLocks noGrp="1"/>
           </p:cNvSpPr>
@@ -5946,16 +5030,120 @@
             <p:ph type="title"/>
           </p:nvPr>
         </p:nvSpPr>
-        <p:spPr/>
-        <p:txBody>
-          <a:bodyPr/>
-          <a:lstStyle/>
-          <a:p>
-            <a:r>
-              <a:rPr lang="en-US" dirty="0"/>
-              <a:t>Imagine Cup</a:t>
-            </a:r>
-            <a:endParaRPr lang="en-US" dirty="0">
+        <p:spPr>
+          <a:xfrm>
+            <a:off x="1550957" y="2241976"/>
+            <a:ext cx="5575674" cy="899665"/>
+          </a:xfrm>
+        </p:spPr>
+        <p:txBody>
+          <a:bodyPr>
+            <a:normAutofit/>
+          </a:bodyPr>
+          <a:lstStyle/>
+          <a:p>
+            <a:r>
+              <a:rPr lang="en-NZ" dirty="0">
+                <a:latin typeface="Segoe UI Light" panose="020B0502040204020203" pitchFamily="34" charset="0"/>
+                <a:cs typeface="Segoe UI Light" panose="020B0502040204020203" pitchFamily="34" charset="0"/>
+              </a:rPr>
+              <a:t>Need Help or Advice?</a:t>
+            </a:r>
+          </a:p>
+        </p:txBody>
+      </p:sp>
+      <p:pic>
+        <p:nvPicPr>
+          <p:cNvPr id="4" name="Picture 3"/>
+          <p:cNvPicPr>
+            <a:picLocks noChangeAspect="1"/>
+          </p:cNvPicPr>
+          <p:nvPr/>
+        </p:nvPicPr>
+        <p:blipFill>
+          <a:blip r:embed="rId2"/>
+          <a:stretch>
+            <a:fillRect/>
+          </a:stretch>
+        </p:blipFill>
+        <p:spPr>
+          <a:xfrm>
+            <a:off x="8674929" y="-2354118"/>
+            <a:ext cx="1711928" cy="7248934"/>
+          </a:xfrm>
+          <a:prstGeom prst="rect">
+            <a:avLst/>
+          </a:prstGeom>
+        </p:spPr>
+      </p:pic>
+      <p:sp>
+        <p:nvSpPr>
+          <p:cNvPr id="5" name="TextBox 4"/>
+          <p:cNvSpPr txBox="1"/>
+          <p:nvPr/>
+        </p:nvSpPr>
+        <p:spPr>
+          <a:xfrm>
+            <a:off x="2006906" y="3361250"/>
+            <a:ext cx="4862367" cy="741008"/>
+          </a:xfrm>
+          <a:prstGeom prst="rect">
+            <a:avLst/>
+          </a:prstGeom>
+          <a:noFill/>
+        </p:spPr>
+        <p:txBody>
+          <a:bodyPr wrap="square" lIns="179252" tIns="143401" rIns="179252" bIns="143401" rtlCol="0">
+            <a:spAutoFit/>
+          </a:bodyPr>
+          <a:lstStyle/>
+          <a:p>
+            <a:pPr defTabSz="914192">
+              <a:lnSpc>
+                <a:spcPct val="90000"/>
+              </a:lnSpc>
+              <a:spcAft>
+                <a:spcPts val="588"/>
+              </a:spcAft>
+            </a:pPr>
+            <a:r>
+              <a:rPr lang="en-NZ" sz="3200" dirty="0">
+                <a:gradFill>
+                  <a:gsLst>
+                    <a:gs pos="2917">
+                      <a:srgbClr val="FFFFFF"/>
+                    </a:gs>
+                    <a:gs pos="30000">
+                      <a:srgbClr val="FFFFFF"/>
+                    </a:gs>
+                  </a:gsLst>
+                  <a:lin ang="5400000" scaled="0"/>
+                </a:gradFill>
+                <a:latin typeface="Segoe UI Light" panose="020B0502040204020203" pitchFamily="34" charset="0"/>
+                <a:cs typeface="Segoe UI Light" panose="020B0502040204020203" pitchFamily="34" charset="0"/>
+                <a:hlinkClick r:id="rId3"/>
+              </a:rPr>
+              <a:t>nzmsa@microsoft.com</a:t>
+            </a:r>
+            <a:r>
+              <a:rPr lang="en-NZ" sz="3200" dirty="0">
+                <a:gradFill>
+                  <a:gsLst>
+                    <a:gs pos="2917">
+                      <a:srgbClr val="FFFFFF"/>
+                    </a:gs>
+                    <a:gs pos="30000">
+                      <a:srgbClr val="FFFFFF"/>
+                    </a:gs>
+                  </a:gsLst>
+                  <a:lin ang="5400000" scaled="0"/>
+                </a:gradFill>
+                <a:latin typeface="Segoe UI Light" panose="020B0502040204020203" pitchFamily="34" charset="0"/>
+                <a:cs typeface="Segoe UI Light" panose="020B0502040204020203" pitchFamily="34" charset="0"/>
+              </a:rPr>
+              <a:t> </a:t>
+            </a:r>
+            <a:endParaRPr lang="en-NZ" sz="3200" dirty="0">
               <a:latin typeface="Segoe UI Light" panose="020B0502040204020203" pitchFamily="34" charset="0"/>
               <a:cs typeface="Segoe UI Light" panose="020B0502040204020203" pitchFamily="34" charset="0"/>
             </a:endParaRPr>
@@ -5964,50 +5152,63 @@
       </p:sp>
       <p:sp>
         <p:nvSpPr>
-          <p:cNvPr id="5" name="Content Placeholder 4"/>
-          <p:cNvSpPr>
-            <a:spLocks noGrp="1"/>
-          </p:cNvSpPr>
-          <p:nvPr>
-            <p:ph idx="1"/>
-          </p:nvPr>
-        </p:nvSpPr>
-        <p:spPr/>
-        <p:txBody>
-          <a:bodyPr/>
-          <a:lstStyle/>
-          <a:p>
-            <a:r>
-              <a:rPr lang="en-NZ" dirty="0"/>
-              <a:t>All MSA students get direct entry to the Imagine Cup</a:t>
-            </a:r>
-          </a:p>
-          <a:p>
-            <a:r>
-              <a:rPr lang="en-NZ" dirty="0"/>
-              <a:t>We will share more details with you tomorrow.</a:t>
-            </a:r>
-          </a:p>
-          <a:p>
-            <a:pPr marL="0" indent="0">
-              <a:buNone/>
-            </a:pPr>
-            <a:endParaRPr lang="en-NZ" dirty="0">
-              <a:hlinkClick r:id="" action="ppaction://noaction"/>
-            </a:endParaRPr>
+          <p:cNvPr id="2" name="Rectangle 1"/>
+          <p:cNvSpPr/>
+          <p:nvPr/>
+        </p:nvSpPr>
+        <p:spPr>
+          <a:xfrm>
+            <a:off x="0" y="0"/>
+            <a:ext cx="12192000" cy="6858000"/>
+          </a:xfrm>
+          <a:prstGeom prst="rect">
+            <a:avLst/>
+          </a:prstGeom>
+          <a:solidFill>
+            <a:schemeClr val="tx1"/>
+          </a:solidFill>
+          <a:ln>
+            <a:solidFill>
+              <a:schemeClr val="tx1"/>
+            </a:solidFill>
+          </a:ln>
+        </p:spPr>
+        <p:style>
+          <a:lnRef idx="1">
+            <a:schemeClr val="accent1"/>
+          </a:lnRef>
+          <a:fillRef idx="3">
+            <a:schemeClr val="accent1"/>
+          </a:fillRef>
+          <a:effectRef idx="2">
+            <a:schemeClr val="accent1"/>
+          </a:effectRef>
+          <a:fontRef idx="minor">
+            <a:schemeClr val="lt1"/>
+          </a:fontRef>
+        </p:style>
+        <p:txBody>
+          <a:bodyPr rtlCol="0" anchor="ctr"/>
+          <a:lstStyle/>
+          <a:p>
+            <a:pPr algn="ctr"/>
+            <a:endParaRPr lang="en-US"/>
           </a:p>
         </p:txBody>
       </p:sp>
     </p:spTree>
     <p:extLst>
       <p:ext uri="{BB962C8B-B14F-4D97-AF65-F5344CB8AC3E}">
-        <p14:creationId xmlns:p14="http://schemas.microsoft.com/office/powerpoint/2010/main" val="3282137833"/>
+        <p14:creationId xmlns:p14="http://schemas.microsoft.com/office/powerpoint/2010/main" val="802621815"/>
       </p:ext>
     </p:extLst>
   </p:cSld>
   <p:clrMapOvr>
     <a:masterClrMapping/>
   </p:clrMapOvr>
+  <p:transition>
+    <p:fade/>
+  </p:transition>
 </p:sld>
 </file>
 
@@ -6045,71 +5246,48 @@
           <a:p>
             <a:r>
               <a:rPr lang="en-US" dirty="0"/>
-              <a:t>Employer Networking Evening</a:t>
-            </a:r>
-            <a:endParaRPr lang="en-US" dirty="0">
-              <a:latin typeface="Segoe UI Light" panose="020B0502040204020203" pitchFamily="34" charset="0"/>
-              <a:cs typeface="Segoe UI Light" panose="020B0502040204020203" pitchFamily="34" charset="0"/>
-            </a:endParaRPr>
-          </a:p>
-        </p:txBody>
-      </p:sp>
-      <p:sp>
-        <p:nvSpPr>
-          <p:cNvPr id="5" name="Content Placeholder 4"/>
-          <p:cNvSpPr>
-            <a:spLocks noGrp="1"/>
-          </p:cNvSpPr>
+              <a:t>This will be you!</a:t>
+            </a:r>
+          </a:p>
+        </p:txBody>
+      </p:sp>
+      <p:pic>
+        <p:nvPicPr>
+          <p:cNvPr id="4" name="Content Placeholder 3" descr="Hero.jpg"/>
+          <p:cNvPicPr>
+            <a:picLocks noGrp="1" noChangeAspect="1"/>
+          </p:cNvPicPr>
           <p:nvPr>
             <p:ph idx="1"/>
           </p:nvPr>
-        </p:nvSpPr>
-        <p:spPr/>
-        <p:txBody>
-          <a:bodyPr/>
-          <a:lstStyle/>
-          <a:p>
-            <a:r>
-              <a:rPr lang="en-NZ" dirty="0"/>
-              <a:t>Formal Attire</a:t>
-            </a:r>
-          </a:p>
-          <a:p>
-            <a:r>
-              <a:rPr lang="en-NZ" dirty="0"/>
-              <a:t>You will meet a subset of employers as a team</a:t>
-            </a:r>
-          </a:p>
-          <a:p>
-            <a:r>
-              <a:rPr lang="en-NZ" dirty="0"/>
-              <a:t>Your one chance to formally meet them</a:t>
-            </a:r>
-          </a:p>
-          <a:p>
-            <a:r>
-              <a:rPr lang="en-NZ" dirty="0"/>
-              <a:t>Drinks and nibbles afterwards – enjoy, but not too much</a:t>
-            </a:r>
-          </a:p>
-          <a:p>
-            <a:r>
-              <a:rPr lang="en-NZ" dirty="0"/>
-              <a:t>State your top employers in the form.</a:t>
-            </a:r>
-          </a:p>
-          <a:p>
-            <a:r>
-              <a:rPr lang="en-NZ" dirty="0"/>
-              <a:t>Read up on projects (Link will be shared)</a:t>
-            </a:r>
-          </a:p>
-        </p:txBody>
-      </p:sp>
+        </p:nvPicPr>
+        <p:blipFill>
+          <a:blip r:embed="rId3">
+            <a:extLst>
+              <a:ext uri="{28A0092B-C50C-407E-A947-70E740481C1C}">
+                <a14:useLocalDpi xmlns:a14="http://schemas.microsoft.com/office/drawing/2010/main" val="0"/>
+              </a:ext>
+            </a:extLst>
+          </a:blip>
+          <a:srcRect t="-10189" b="-10189"/>
+          <a:stretch>
+            <a:fillRect/>
+          </a:stretch>
+        </p:blipFill>
+        <p:spPr>
+          <a:xfrm>
+            <a:off x="0" y="1222035"/>
+            <a:ext cx="12210800" cy="5052809"/>
+          </a:xfrm>
+          <a:prstGeom prst="rect">
+            <a:avLst/>
+          </a:prstGeom>
+        </p:spPr>
+      </p:pic>
     </p:spTree>
     <p:extLst>
       <p:ext uri="{BB962C8B-B14F-4D97-AF65-F5344CB8AC3E}">
-        <p14:creationId xmlns:p14="http://schemas.microsoft.com/office/powerpoint/2010/main" val="3216095645"/>
+        <p14:creationId xmlns:p14="http://schemas.microsoft.com/office/powerpoint/2010/main" val="2151758917"/>
       </p:ext>
     </p:extLst>
   </p:cSld>

--- a/Slides/MSA Intro Day 1.pptx
+++ b/Slides/MSA Intro Day 1.pptx
@@ -5,19 +5,18 @@
     <p:sldMasterId id="2147483648" r:id="rId1"/>
   </p:sldMasterIdLst>
   <p:notesMasterIdLst>
-    <p:notesMasterId r:id="rId12"/>
+    <p:notesMasterId r:id="rId11"/>
   </p:notesMasterIdLst>
   <p:sldIdLst>
     <p:sldId id="278" r:id="rId2"/>
-    <p:sldId id="312" r:id="rId3"/>
-    <p:sldId id="292" r:id="rId4"/>
-    <p:sldId id="311" r:id="rId5"/>
-    <p:sldId id="268" r:id="rId6"/>
-    <p:sldId id="269" r:id="rId7"/>
-    <p:sldId id="272" r:id="rId8"/>
-    <p:sldId id="309" r:id="rId9"/>
-    <p:sldId id="293" r:id="rId10"/>
-    <p:sldId id="273" r:id="rId11"/>
+    <p:sldId id="292" r:id="rId3"/>
+    <p:sldId id="311" r:id="rId4"/>
+    <p:sldId id="268" r:id="rId5"/>
+    <p:sldId id="269" r:id="rId6"/>
+    <p:sldId id="272" r:id="rId7"/>
+    <p:sldId id="309" r:id="rId8"/>
+    <p:sldId id="293" r:id="rId9"/>
+    <p:sldId id="273" r:id="rId10"/>
   </p:sldIdLst>
   <p:sldSz cx="12192000" cy="6858000"/>
   <p:notesSz cx="6858000" cy="9144000"/>
@@ -217,7 +216,7 @@
           <a:p>
             <a:fld id="{53D551F1-3E25-2744-9BE7-0A04F579F8FB}" type="datetimeFigureOut">
               <a:rPr lang="en-US" smtClean="0"/>
-              <a:t>7/19/19</a:t>
+              <a:t>7/20/19</a:t>
             </a:fld>
             <a:endParaRPr lang="en-US"/>
           </a:p>
@@ -555,7 +554,7 @@
           <a:p>
             <a:fld id="{D3F8F6B0-B250-4748-A00E-B11C9B2F4421}" type="slidenum">
               <a:rPr lang="en-US" smtClean="0"/>
-              <a:t>3</a:t>
+              <a:t>2</a:t>
             </a:fld>
             <a:endParaRPr lang="en-US"/>
           </a:p>
@@ -644,7 +643,7 @@
           <a:p>
             <a:fld id="{D3F8F6B0-B250-4748-A00E-B11C9B2F4421}" type="slidenum">
               <a:rPr lang="en-US" smtClean="0"/>
-              <a:t>4</a:t>
+              <a:t>3</a:t>
             </a:fld>
             <a:endParaRPr lang="en-US"/>
           </a:p>
@@ -731,7 +730,7 @@
           <a:p>
             <a:fld id="{A008DDF4-253B-4E36-BE28-46B8E6426B7B}" type="slidenum">
               <a:rPr lang="en-US" smtClean="0"/>
-              <a:t>5</a:t>
+              <a:t>4</a:t>
             </a:fld>
             <a:endParaRPr lang="en-US"/>
           </a:p>
@@ -815,7 +814,7 @@
           <a:p>
             <a:fld id="{A008DDF4-253B-4E36-BE28-46B8E6426B7B}" type="slidenum">
               <a:rPr lang="en-US" smtClean="0"/>
-              <a:t>6</a:t>
+              <a:t>5</a:t>
             </a:fld>
             <a:endParaRPr lang="en-US"/>
           </a:p>
@@ -899,7 +898,7 @@
           <a:p>
             <a:fld id="{A008DDF4-253B-4E36-BE28-46B8E6426B7B}" type="slidenum">
               <a:rPr lang="en-US" smtClean="0"/>
-              <a:t>7</a:t>
+              <a:t>6</a:t>
             </a:fld>
             <a:endParaRPr lang="en-US"/>
           </a:p>
@@ -986,7 +985,7 @@
           <a:p>
             <a:fld id="{CDDFCC0C-D0C0-7443-B7C0-AFE35D3A82E0}" type="slidenum">
               <a:rPr lang="en-US" smtClean="0"/>
-              <a:t>9</a:t>
+              <a:t>8</a:t>
             </a:fld>
             <a:endParaRPr lang="en-US"/>
           </a:p>
@@ -1136,7 +1135,7 @@
           <a:p>
             <a:fld id="{F4356D17-FE2B-4A42-AE6B-E0B8894B79EA}" type="datetimeFigureOut">
               <a:rPr lang="en-US" smtClean="0"/>
-              <a:t>7/19/19</a:t>
+              <a:t>7/20/19</a:t>
             </a:fld>
             <a:endParaRPr lang="en-US"/>
           </a:p>
@@ -1306,7 +1305,7 @@
           <a:p>
             <a:fld id="{F4356D17-FE2B-4A42-AE6B-E0B8894B79EA}" type="datetimeFigureOut">
               <a:rPr lang="en-US" smtClean="0"/>
-              <a:t>7/19/19</a:t>
+              <a:t>7/20/19</a:t>
             </a:fld>
             <a:endParaRPr lang="en-US"/>
           </a:p>
@@ -1486,7 +1485,7 @@
           <a:p>
             <a:fld id="{F4356D17-FE2B-4A42-AE6B-E0B8894B79EA}" type="datetimeFigureOut">
               <a:rPr lang="en-US" smtClean="0"/>
-              <a:t>7/19/19</a:t>
+              <a:t>7/20/19</a:t>
             </a:fld>
             <a:endParaRPr lang="en-US"/>
           </a:p>
@@ -1980,7 +1979,7 @@
           <a:p>
             <a:fld id="{F4356D17-FE2B-4A42-AE6B-E0B8894B79EA}" type="datetimeFigureOut">
               <a:rPr lang="en-US" smtClean="0"/>
-              <a:t>7/19/19</a:t>
+              <a:t>7/20/19</a:t>
             </a:fld>
             <a:endParaRPr lang="en-US"/>
           </a:p>
@@ -2226,7 +2225,7 @@
           <a:p>
             <a:fld id="{F4356D17-FE2B-4A42-AE6B-E0B8894B79EA}" type="datetimeFigureOut">
               <a:rPr lang="en-US" smtClean="0"/>
-              <a:t>7/19/19</a:t>
+              <a:t>7/20/19</a:t>
             </a:fld>
             <a:endParaRPr lang="en-US"/>
           </a:p>
@@ -2458,7 +2457,7 @@
           <a:p>
             <a:fld id="{F4356D17-FE2B-4A42-AE6B-E0B8894B79EA}" type="datetimeFigureOut">
               <a:rPr lang="en-US" smtClean="0"/>
-              <a:t>7/19/19</a:t>
+              <a:t>7/20/19</a:t>
             </a:fld>
             <a:endParaRPr lang="en-US"/>
           </a:p>
@@ -2825,7 +2824,7 @@
           <a:p>
             <a:fld id="{F4356D17-FE2B-4A42-AE6B-E0B8894B79EA}" type="datetimeFigureOut">
               <a:rPr lang="en-US" smtClean="0"/>
-              <a:t>7/19/19</a:t>
+              <a:t>7/20/19</a:t>
             </a:fld>
             <a:endParaRPr lang="en-US"/>
           </a:p>
@@ -2943,7 +2942,7 @@
           <a:p>
             <a:fld id="{F4356D17-FE2B-4A42-AE6B-E0B8894B79EA}" type="datetimeFigureOut">
               <a:rPr lang="en-US" smtClean="0"/>
-              <a:t>7/19/19</a:t>
+              <a:t>7/20/19</a:t>
             </a:fld>
             <a:endParaRPr lang="en-US"/>
           </a:p>
@@ -3038,7 +3037,7 @@
           <a:p>
             <a:fld id="{F4356D17-FE2B-4A42-AE6B-E0B8894B79EA}" type="datetimeFigureOut">
               <a:rPr lang="en-US" smtClean="0"/>
-              <a:t>7/19/19</a:t>
+              <a:t>7/20/19</a:t>
             </a:fld>
             <a:endParaRPr lang="en-US"/>
           </a:p>
@@ -3315,7 +3314,7 @@
           <a:p>
             <a:fld id="{F4356D17-FE2B-4A42-AE6B-E0B8894B79EA}" type="datetimeFigureOut">
               <a:rPr lang="en-US" smtClean="0"/>
-              <a:t>7/19/19</a:t>
+              <a:t>7/20/19</a:t>
             </a:fld>
             <a:endParaRPr lang="en-US"/>
           </a:p>
@@ -3568,7 +3567,7 @@
           <a:p>
             <a:fld id="{F4356D17-FE2B-4A42-AE6B-E0B8894B79EA}" type="datetimeFigureOut">
               <a:rPr lang="en-US" smtClean="0"/>
-              <a:t>7/19/19</a:t>
+              <a:t>7/20/19</a:t>
             </a:fld>
             <a:endParaRPr lang="en-US"/>
           </a:p>
@@ -3781,7 +3780,7 @@
           <a:p>
             <a:fld id="{F4356D17-FE2B-4A42-AE6B-E0B8894B79EA}" type="datetimeFigureOut">
               <a:rPr lang="en-US" smtClean="0"/>
-              <a:t>7/19/19</a:t>
+              <a:t>7/20/19</a:t>
             </a:fld>
             <a:endParaRPr lang="en-US"/>
           </a:p>
@@ -4338,7 +4337,7 @@
 </p:sld>
 </file>
 
-<file path=ppt/slides/slide10.xml><?xml version="1.0" encoding="utf-8"?>
+<file path=ppt/slides/slide2.xml><?xml version="1.0" encoding="utf-8"?>
 <p:sld xmlns:a="http://schemas.openxmlformats.org/drawingml/2006/main" xmlns:r="http://schemas.openxmlformats.org/officeDocument/2006/relationships" xmlns:p="http://schemas.openxmlformats.org/presentationml/2006/main">
   <p:cSld>
     <p:spTree>
@@ -4362,93 +4361,80 @@
             <a:spLocks noGrp="1"/>
           </p:cNvSpPr>
           <p:nvPr>
-            <p:ph type="ctrTitle"/>
-          </p:nvPr>
-        </p:nvSpPr>
-        <p:spPr/>
-        <p:txBody>
-          <a:bodyPr/>
-          <a:lstStyle/>
-          <a:p>
-            <a:r>
-              <a:rPr lang="en-NZ" dirty="0"/>
-              <a:t>Questions?</a:t>
-            </a:r>
+            <p:ph type="title"/>
+          </p:nvPr>
+        </p:nvSpPr>
+        <p:spPr/>
+        <p:txBody>
+          <a:bodyPr/>
+          <a:lstStyle/>
+          <a:p>
+            <a:r>
+              <a:rPr lang="en-US" dirty="0"/>
+              <a:t>Today’s schedule</a:t>
+            </a:r>
+          </a:p>
+        </p:txBody>
+      </p:sp>
+      <p:sp>
+        <p:nvSpPr>
+          <p:cNvPr id="3" name="Content Placeholder 2"/>
+          <p:cNvSpPr>
+            <a:spLocks noGrp="1"/>
+          </p:cNvSpPr>
+          <p:nvPr>
+            <p:ph idx="1"/>
+          </p:nvPr>
+        </p:nvSpPr>
+        <p:spPr/>
+        <p:txBody>
+          <a:bodyPr/>
+          <a:lstStyle/>
+          <a:p>
+            <a:r>
+              <a:rPr lang="en-US" dirty="0"/>
+              <a:t>Introduction (10am)</a:t>
+            </a:r>
+          </a:p>
+          <a:p>
+            <a:r>
+              <a:rPr lang="en-US" dirty="0"/>
+              <a:t>User interface creation</a:t>
+            </a:r>
+          </a:p>
+          <a:p>
+            <a:r>
+              <a:rPr lang="en-US" dirty="0"/>
+              <a:t>Lunch (~1pm)</a:t>
+            </a:r>
+          </a:p>
+          <a:p>
+            <a:r>
+              <a:rPr lang="en-US" dirty="0"/>
+              <a:t>API + Database (~2pm)</a:t>
+            </a:r>
+          </a:p>
+          <a:p>
+            <a:r>
+              <a:rPr lang="en-US" dirty="0"/>
+              <a:t>Closing (4:30pm)</a:t>
+            </a:r>
+          </a:p>
+          <a:p>
+            <a:pPr marL="0" indent="0">
+              <a:buNone/>
+            </a:pPr>
+            <a:endParaRPr lang="en-US" dirty="0"/>
+          </a:p>
+          <a:p>
+            <a:endParaRPr lang="en-US" dirty="0"/>
           </a:p>
         </p:txBody>
       </p:sp>
     </p:spTree>
     <p:extLst>
       <p:ext uri="{BB962C8B-B14F-4D97-AF65-F5344CB8AC3E}">
-        <p14:creationId xmlns:p14="http://schemas.microsoft.com/office/powerpoint/2010/main" val="1510407067"/>
-      </p:ext>
-    </p:extLst>
-  </p:cSld>
-  <p:clrMapOvr>
-    <a:masterClrMapping/>
-  </p:clrMapOvr>
-</p:sld>
-</file>
-
-<file path=ppt/slides/slide2.xml><?xml version="1.0" encoding="utf-8"?>
-<p:sld xmlns:a="http://schemas.openxmlformats.org/drawingml/2006/main" xmlns:r="http://schemas.openxmlformats.org/officeDocument/2006/relationships" xmlns:p="http://schemas.openxmlformats.org/presentationml/2006/main">
-  <p:cSld>
-    <p:bg>
-      <p:bgPr>
-        <a:solidFill>
-          <a:schemeClr val="bg1"/>
-        </a:solidFill>
-        <a:effectLst/>
-      </p:bgPr>
-    </p:bg>
-    <p:spTree>
-      <p:nvGrpSpPr>
-        <p:cNvPr id="1" name=""/>
-        <p:cNvGrpSpPr/>
-        <p:nvPr/>
-      </p:nvGrpSpPr>
-      <p:grpSpPr>
-        <a:xfrm>
-          <a:off x="0" y="0"/>
-          <a:ext cx="0" cy="0"/>
-          <a:chOff x="0" y="0"/>
-          <a:chExt cx="0" cy="0"/>
-        </a:xfrm>
-      </p:grpSpPr>
-      <p:pic>
-        <p:nvPicPr>
-          <p:cNvPr id="7" name="Picture 6">
-            <a:extLst>
-              <a:ext uri="{FF2B5EF4-FFF2-40B4-BE49-F238E27FC236}">
-                <a16:creationId xmlns:a16="http://schemas.microsoft.com/office/drawing/2014/main" id="{25F384F7-F228-454D-81AF-2F0D62F931C2}"/>
-              </a:ext>
-            </a:extLst>
-          </p:cNvPr>
-          <p:cNvPicPr>
-            <a:picLocks noChangeAspect="1"/>
-          </p:cNvPicPr>
-          <p:nvPr/>
-        </p:nvPicPr>
-        <p:blipFill>
-          <a:blip r:embed="rId2"/>
-          <a:stretch>
-            <a:fillRect/>
-          </a:stretch>
-        </p:blipFill>
-        <p:spPr>
-          <a:xfrm>
-            <a:off x="2661943" y="231986"/>
-            <a:ext cx="7119574" cy="5571067"/>
-          </a:xfrm>
-          <a:prstGeom prst="rect">
-            <a:avLst/>
-          </a:prstGeom>
-        </p:spPr>
-      </p:pic>
-    </p:spTree>
-    <p:extLst>
-      <p:ext uri="{BB962C8B-B14F-4D97-AF65-F5344CB8AC3E}">
-        <p14:creationId xmlns:p14="http://schemas.microsoft.com/office/powerpoint/2010/main" val="3140971492"/>
+        <p14:creationId xmlns:p14="http://schemas.microsoft.com/office/powerpoint/2010/main" val="4233348229"/>
       </p:ext>
     </p:extLst>
   </p:cSld>
@@ -4492,7 +4478,7 @@
           <a:p>
             <a:r>
               <a:rPr lang="en-US" dirty="0"/>
-              <a:t>Today’s schedule</a:t>
+              <a:t>Tomorrow’s schedule</a:t>
             </a:r>
           </a:p>
         </p:txBody>
@@ -4509,7 +4495,9 @@
         </p:nvSpPr>
         <p:spPr/>
         <p:txBody>
-          <a:bodyPr/>
+          <a:bodyPr>
+            <a:normAutofit fontScale="92500" lnSpcReduction="20000"/>
+          </a:bodyPr>
           <a:lstStyle/>
           <a:p>
             <a:r>
@@ -4520,37 +4508,58 @@
           <a:p>
             <a:r>
               <a:rPr lang="en-US" dirty="0"/>
-              <a:t>GitHub </a:t>
+              <a:t>Deployment </a:t>
             </a:r>
           </a:p>
           <a:p>
             <a:r>
               <a:rPr lang="en-US" dirty="0"/>
-              <a:t>User interface creation</a:t>
+              <a:t>Unit testing /Dev ops</a:t>
             </a:r>
           </a:p>
           <a:p>
             <a:r>
               <a:rPr lang="en-US" dirty="0"/>
-              <a:t>Lunch (~12pm)</a:t>
+              <a:t>Lunch (~1pm)</a:t>
             </a:r>
           </a:p>
           <a:p>
             <a:r>
               <a:rPr lang="en-US" dirty="0"/>
-              <a:t>All things API (1:30pm)</a:t>
+              <a:t>Accessibility(~2pm)</a:t>
             </a:r>
           </a:p>
           <a:p>
             <a:r>
               <a:rPr lang="en-US" dirty="0"/>
-              <a:t>Closing (4:30pm)</a:t>
-            </a:r>
-          </a:p>
-          <a:p>
-            <a:pPr marL="0" indent="0">
-              <a:buNone/>
-            </a:pPr>
+              <a:t>Authentication</a:t>
+            </a:r>
+          </a:p>
+          <a:p>
+            <a:r>
+              <a:rPr lang="en-US" dirty="0"/>
+              <a:t>Signal R</a:t>
+            </a:r>
+          </a:p>
+          <a:p>
+            <a:r>
+              <a:rPr lang="en-US" dirty="0"/>
+              <a:t>Expectations on other advanced features. (3:30pm)</a:t>
+            </a:r>
+          </a:p>
+          <a:p>
+            <a:r>
+              <a:rPr lang="en-US" dirty="0"/>
+              <a:t>Assessment briefing / Imagine Cup</a:t>
+            </a:r>
+          </a:p>
+          <a:p>
+            <a:r>
+              <a:rPr lang="en-US" dirty="0"/>
+              <a:t>Closing (4:00pm)</a:t>
+            </a:r>
+          </a:p>
+          <a:p>
             <a:endParaRPr lang="en-US" dirty="0"/>
           </a:p>
           <a:p>
@@ -4561,7 +4570,7 @@
     </p:spTree>
     <p:extLst>
       <p:ext uri="{BB962C8B-B14F-4D97-AF65-F5344CB8AC3E}">
-        <p14:creationId xmlns:p14="http://schemas.microsoft.com/office/powerpoint/2010/main" val="4233348229"/>
+        <p14:creationId xmlns:p14="http://schemas.microsoft.com/office/powerpoint/2010/main" val="1473513844"/>
       </p:ext>
     </p:extLst>
   </p:cSld>
@@ -4605,14 +4614,18 @@
           <a:p>
             <a:r>
               <a:rPr lang="en-US" dirty="0"/>
-              <a:t>Tomorrow’s schedule</a:t>
-            </a:r>
-          </a:p>
-        </p:txBody>
-      </p:sp>
-      <p:sp>
-        <p:nvSpPr>
-          <p:cNvPr id="3" name="Content Placeholder 2"/>
+              <a:t>Assessment</a:t>
+            </a:r>
+            <a:endParaRPr lang="en-US" dirty="0">
+              <a:latin typeface="Segoe UI Light" panose="020B0502040204020203" pitchFamily="34" charset="0"/>
+              <a:cs typeface="Segoe UI Light" panose="020B0502040204020203" pitchFamily="34" charset="0"/>
+            </a:endParaRPr>
+          </a:p>
+        </p:txBody>
+      </p:sp>
+      <p:sp>
+        <p:nvSpPr>
+          <p:cNvPr id="5" name="Content Placeholder 4"/>
           <p:cNvSpPr>
             <a:spLocks noGrp="1"/>
           </p:cNvSpPr>
@@ -4622,76 +4635,66 @@
         </p:nvSpPr>
         <p:spPr/>
         <p:txBody>
-          <a:bodyPr>
-            <a:normAutofit lnSpcReduction="10000"/>
-          </a:bodyPr>
-          <a:lstStyle/>
-          <a:p>
-            <a:r>
-              <a:rPr lang="en-US" dirty="0"/>
-              <a:t>Introduction 10am</a:t>
-            </a:r>
-          </a:p>
-          <a:p>
-            <a:r>
-              <a:rPr lang="en-US" dirty="0"/>
-              <a:t>Deployment </a:t>
-            </a:r>
-          </a:p>
-          <a:p>
-            <a:r>
-              <a:rPr lang="en-US" dirty="0"/>
-              <a:t>Unit testing</a:t>
-            </a:r>
-          </a:p>
-          <a:p>
-            <a:r>
-              <a:rPr lang="en-US" dirty="0"/>
-              <a:t>Lunch (~12pm)</a:t>
-            </a:r>
-          </a:p>
-          <a:p>
-            <a:r>
-              <a:rPr lang="en-US" dirty="0"/>
-              <a:t>Accessibility(1:30pm)</a:t>
-            </a:r>
-          </a:p>
-          <a:p>
-            <a:r>
-              <a:rPr lang="en-US" dirty="0"/>
-              <a:t>Authentication</a:t>
-            </a:r>
-          </a:p>
-          <a:p>
-            <a:r>
-              <a:rPr lang="en-US" dirty="0"/>
-              <a:t>Expectations on other advanced features. (3:30pm)</a:t>
-            </a:r>
-          </a:p>
-          <a:p>
-            <a:r>
-              <a:rPr lang="en-US" dirty="0"/>
-              <a:t>Assessment briefing / Imagine Cup</a:t>
-            </a:r>
-          </a:p>
-          <a:p>
-            <a:r>
-              <a:rPr lang="en-US" dirty="0"/>
-              <a:t>Closing (4:00pm)</a:t>
-            </a:r>
-          </a:p>
-          <a:p>
-            <a:endParaRPr lang="en-US" dirty="0"/>
-          </a:p>
-          <a:p>
-            <a:endParaRPr lang="en-US" dirty="0"/>
+          <a:bodyPr/>
+          <a:lstStyle/>
+          <a:p>
+            <a:r>
+              <a:rPr lang="en-NZ" dirty="0"/>
+              <a:t>17</a:t>
+            </a:r>
+            <a:r>
+              <a:rPr lang="en-NZ" baseline="30000" dirty="0"/>
+              <a:t>th</a:t>
+            </a:r>
+            <a:r>
+              <a:rPr lang="en-NZ" dirty="0"/>
+              <a:t> August 2019</a:t>
+            </a:r>
+          </a:p>
+          <a:p>
+            <a:r>
+              <a:rPr lang="en-NZ" dirty="0"/>
+              <a:t>You must pass the in-person assessment to get placement</a:t>
+            </a:r>
+          </a:p>
+          <a:p>
+            <a:r>
+              <a:rPr lang="en-NZ" dirty="0"/>
+              <a:t>We assess both your technical skills and your soft skills.</a:t>
+            </a:r>
+          </a:p>
+          <a:p>
+            <a:r>
+              <a:rPr lang="en-NZ" dirty="0"/>
+              <a:t>We will release the criteria tomorrow.</a:t>
+            </a:r>
+          </a:p>
+          <a:p>
+            <a:r>
+              <a:rPr lang="en-NZ" b="1" dirty="0"/>
+              <a:t>Do NOT plagiarise </a:t>
+            </a:r>
+          </a:p>
+          <a:p>
+            <a:r>
+              <a:rPr lang="en-NZ" dirty="0"/>
+              <a:t>You will book your </a:t>
+            </a:r>
+            <a:r>
+              <a:rPr lang="en-NZ" b="1" dirty="0"/>
+              <a:t>interview</a:t>
+            </a:r>
+            <a:r>
+              <a:rPr lang="en-NZ" dirty="0"/>
+              <a:t> time, we will share the link tomorrow. </a:t>
+            </a:r>
           </a:p>
         </p:txBody>
       </p:sp>
     </p:spTree>
     <p:extLst>
       <p:ext uri="{BB962C8B-B14F-4D97-AF65-F5344CB8AC3E}">
-        <p14:creationId xmlns:p14="http://schemas.microsoft.com/office/powerpoint/2010/main" val="1473513844"/>
+        <p14:creationId xmlns:p14="http://schemas.microsoft.com/office/powerpoint/2010/main" val="1599382233"/>
       </p:ext>
     </p:extLst>
   </p:cSld>
@@ -4735,7 +4738,7 @@
           <a:p>
             <a:r>
               <a:rPr lang="en-US" dirty="0"/>
-              <a:t>Assessment</a:t>
+              <a:t>Imagine Cup</a:t>
             </a:r>
             <a:endParaRPr lang="en-US" dirty="0">
               <a:latin typeface="Segoe UI Light" panose="020B0502040204020203" pitchFamily="34" charset="0"/>
@@ -4761,61 +4764,29 @@
           <a:p>
             <a:r>
               <a:rPr lang="en-NZ" dirty="0"/>
-              <a:t>17</a:t>
-            </a:r>
-            <a:r>
-              <a:rPr lang="en-NZ" baseline="30000" dirty="0"/>
-              <a:t>th</a:t>
-            </a:r>
+              <a:t>All MSA students get direct entry to the Imagine Cup</a:t>
+            </a:r>
+          </a:p>
+          <a:p>
             <a:r>
               <a:rPr lang="en-NZ" dirty="0"/>
-              <a:t> August 2019</a:t>
-            </a:r>
-          </a:p>
-          <a:p>
-            <a:r>
-              <a:rPr lang="en-NZ" dirty="0"/>
-              <a:t>You must pass the in-person assessment to get placement</a:t>
-            </a:r>
-          </a:p>
-          <a:p>
-            <a:r>
-              <a:rPr lang="en-NZ" dirty="0"/>
-              <a:t>We assess both your technical skills and your soft skills.</a:t>
-            </a:r>
-          </a:p>
-          <a:p>
-            <a:r>
-              <a:rPr lang="en-NZ" dirty="0"/>
-              <a:t>We will release the criteria tomorrow.</a:t>
-            </a:r>
-          </a:p>
-          <a:p>
-            <a:r>
-              <a:rPr lang="en-NZ" b="1" dirty="0"/>
-              <a:t>Do NOT plagiarise </a:t>
-            </a:r>
-          </a:p>
-          <a:p>
-            <a:r>
-              <a:rPr lang="en-NZ" dirty="0"/>
-              <a:t>You will book your </a:t>
-            </a:r>
-            <a:r>
-              <a:rPr lang="en-NZ" b="1" dirty="0"/>
-              <a:t>interview</a:t>
-            </a:r>
-            <a:r>
-              <a:rPr lang="en-NZ" dirty="0"/>
-              <a:t> time, we will share the link tomorrow. </a:t>
-            </a:r>
+              <a:t>We will share more details with you at the soft skills event.</a:t>
+            </a:r>
+          </a:p>
+          <a:p>
+            <a:pPr marL="0" indent="0">
+              <a:buNone/>
+            </a:pPr>
+            <a:endParaRPr lang="en-NZ" dirty="0">
+              <a:hlinkClick r:id="" action="ppaction://noaction"/>
+            </a:endParaRPr>
           </a:p>
         </p:txBody>
       </p:sp>
     </p:spTree>
     <p:extLst>
       <p:ext uri="{BB962C8B-B14F-4D97-AF65-F5344CB8AC3E}">
-        <p14:creationId xmlns:p14="http://schemas.microsoft.com/office/powerpoint/2010/main" val="1599382233"/>
+        <p14:creationId xmlns:p14="http://schemas.microsoft.com/office/powerpoint/2010/main" val="3282137833"/>
       </p:ext>
     </p:extLst>
   </p:cSld>
@@ -4859,98 +4830,6 @@
           <a:p>
             <a:r>
               <a:rPr lang="en-US" dirty="0"/>
-              <a:t>Imagine Cup</a:t>
-            </a:r>
-            <a:endParaRPr lang="en-US" dirty="0">
-              <a:latin typeface="Segoe UI Light" panose="020B0502040204020203" pitchFamily="34" charset="0"/>
-              <a:cs typeface="Segoe UI Light" panose="020B0502040204020203" pitchFamily="34" charset="0"/>
-            </a:endParaRPr>
-          </a:p>
-        </p:txBody>
-      </p:sp>
-      <p:sp>
-        <p:nvSpPr>
-          <p:cNvPr id="5" name="Content Placeholder 4"/>
-          <p:cNvSpPr>
-            <a:spLocks noGrp="1"/>
-          </p:cNvSpPr>
-          <p:nvPr>
-            <p:ph idx="1"/>
-          </p:nvPr>
-        </p:nvSpPr>
-        <p:spPr/>
-        <p:txBody>
-          <a:bodyPr/>
-          <a:lstStyle/>
-          <a:p>
-            <a:r>
-              <a:rPr lang="en-NZ" dirty="0"/>
-              <a:t>All MSA students get direct entry to the Imagine Cup</a:t>
-            </a:r>
-          </a:p>
-          <a:p>
-            <a:r>
-              <a:rPr lang="en-NZ" dirty="0"/>
-              <a:t>We will share more details with you at the soft skills event.</a:t>
-            </a:r>
-          </a:p>
-          <a:p>
-            <a:pPr marL="0" indent="0">
-              <a:buNone/>
-            </a:pPr>
-            <a:endParaRPr lang="en-NZ" dirty="0">
-              <a:hlinkClick r:id="" action="ppaction://noaction"/>
-            </a:endParaRPr>
-          </a:p>
-        </p:txBody>
-      </p:sp>
-    </p:spTree>
-    <p:extLst>
-      <p:ext uri="{BB962C8B-B14F-4D97-AF65-F5344CB8AC3E}">
-        <p14:creationId xmlns:p14="http://schemas.microsoft.com/office/powerpoint/2010/main" val="3282137833"/>
-      </p:ext>
-    </p:extLst>
-  </p:cSld>
-  <p:clrMapOvr>
-    <a:masterClrMapping/>
-  </p:clrMapOvr>
-</p:sld>
-</file>
-
-<file path=ppt/slides/slide7.xml><?xml version="1.0" encoding="utf-8"?>
-<p:sld xmlns:a="http://schemas.openxmlformats.org/drawingml/2006/main" xmlns:r="http://schemas.openxmlformats.org/officeDocument/2006/relationships" xmlns:p="http://schemas.openxmlformats.org/presentationml/2006/main">
-  <p:cSld>
-    <p:spTree>
-      <p:nvGrpSpPr>
-        <p:cNvPr id="1" name=""/>
-        <p:cNvGrpSpPr/>
-        <p:nvPr/>
-      </p:nvGrpSpPr>
-      <p:grpSpPr>
-        <a:xfrm>
-          <a:off x="0" y="0"/>
-          <a:ext cx="0" cy="0"/>
-          <a:chOff x="0" y="0"/>
-          <a:chExt cx="0" cy="0"/>
-        </a:xfrm>
-      </p:grpSpPr>
-      <p:sp>
-        <p:nvSpPr>
-          <p:cNvPr id="2" name="Title 1"/>
-          <p:cNvSpPr>
-            <a:spLocks noGrp="1"/>
-          </p:cNvSpPr>
-          <p:nvPr>
-            <p:ph type="title"/>
-          </p:nvPr>
-        </p:nvSpPr>
-        <p:spPr/>
-        <p:txBody>
-          <a:bodyPr/>
-          <a:lstStyle/>
-          <a:p>
-            <a:r>
-              <a:rPr lang="en-US" dirty="0"/>
               <a:t>FAQs</a:t>
             </a:r>
             <a:endParaRPr lang="en-US" dirty="0">
@@ -5003,7 +4882,7 @@
 </p:sld>
 </file>
 
-<file path=ppt/slides/slide8.xml><?xml version="1.0" encoding="utf-8"?>
+<file path=ppt/slides/slide7.xml><?xml version="1.0" encoding="utf-8"?>
 <p:sld xmlns:a="http://schemas.openxmlformats.org/drawingml/2006/main" xmlns:r="http://schemas.openxmlformats.org/officeDocument/2006/relationships" xmlns:p="http://schemas.openxmlformats.org/presentationml/2006/main">
   <p:cSld>
     <p:spTree>
@@ -5212,7 +5091,7 @@
 </p:sld>
 </file>
 
-<file path=ppt/slides/slide9.xml><?xml version="1.0" encoding="utf-8"?>
+<file path=ppt/slides/slide8.xml><?xml version="1.0" encoding="utf-8"?>
 <p:sld xmlns:a="http://schemas.openxmlformats.org/drawingml/2006/main" xmlns:r="http://schemas.openxmlformats.org/officeDocument/2006/relationships" xmlns:p="http://schemas.openxmlformats.org/presentationml/2006/main">
   <p:cSld>
     <p:spTree>
@@ -5288,6 +5167,58 @@
     <p:extLst>
       <p:ext uri="{BB962C8B-B14F-4D97-AF65-F5344CB8AC3E}">
         <p14:creationId xmlns:p14="http://schemas.microsoft.com/office/powerpoint/2010/main" val="2151758917"/>
+      </p:ext>
+    </p:extLst>
+  </p:cSld>
+  <p:clrMapOvr>
+    <a:masterClrMapping/>
+  </p:clrMapOvr>
+</p:sld>
+</file>
+
+<file path=ppt/slides/slide9.xml><?xml version="1.0" encoding="utf-8"?>
+<p:sld xmlns:a="http://schemas.openxmlformats.org/drawingml/2006/main" xmlns:r="http://schemas.openxmlformats.org/officeDocument/2006/relationships" xmlns:p="http://schemas.openxmlformats.org/presentationml/2006/main">
+  <p:cSld>
+    <p:spTree>
+      <p:nvGrpSpPr>
+        <p:cNvPr id="1" name=""/>
+        <p:cNvGrpSpPr/>
+        <p:nvPr/>
+      </p:nvGrpSpPr>
+      <p:grpSpPr>
+        <a:xfrm>
+          <a:off x="0" y="0"/>
+          <a:ext cx="0" cy="0"/>
+          <a:chOff x="0" y="0"/>
+          <a:chExt cx="0" cy="0"/>
+        </a:xfrm>
+      </p:grpSpPr>
+      <p:sp>
+        <p:nvSpPr>
+          <p:cNvPr id="2" name="Title 1"/>
+          <p:cNvSpPr>
+            <a:spLocks noGrp="1"/>
+          </p:cNvSpPr>
+          <p:nvPr>
+            <p:ph type="ctrTitle"/>
+          </p:nvPr>
+        </p:nvSpPr>
+        <p:spPr/>
+        <p:txBody>
+          <a:bodyPr/>
+          <a:lstStyle/>
+          <a:p>
+            <a:r>
+              <a:rPr lang="en-NZ" dirty="0"/>
+              <a:t>Questions?</a:t>
+            </a:r>
+          </a:p>
+        </p:txBody>
+      </p:sp>
+    </p:spTree>
+    <p:extLst>
+      <p:ext uri="{BB962C8B-B14F-4D97-AF65-F5344CB8AC3E}">
+        <p14:creationId xmlns:p14="http://schemas.microsoft.com/office/powerpoint/2010/main" val="1510407067"/>
       </p:ext>
     </p:extLst>
   </p:cSld>

--- a/Slides/MSA Intro Day 1.pptx
+++ b/Slides/MSA Intro Day 1.pptx
@@ -216,7 +216,7 @@
           <a:p>
             <a:fld id="{53D551F1-3E25-2744-9BE7-0A04F579F8FB}" type="datetimeFigureOut">
               <a:rPr lang="en-US" smtClean="0"/>
-              <a:t>7/20/19</a:t>
+              <a:t>7/21/19</a:t>
             </a:fld>
             <a:endParaRPr lang="en-US"/>
           </a:p>
@@ -1135,7 +1135,7 @@
           <a:p>
             <a:fld id="{F4356D17-FE2B-4A42-AE6B-E0B8894B79EA}" type="datetimeFigureOut">
               <a:rPr lang="en-US" smtClean="0"/>
-              <a:t>7/20/19</a:t>
+              <a:t>7/21/19</a:t>
             </a:fld>
             <a:endParaRPr lang="en-US"/>
           </a:p>
@@ -1305,7 +1305,7 @@
           <a:p>
             <a:fld id="{F4356D17-FE2B-4A42-AE6B-E0B8894B79EA}" type="datetimeFigureOut">
               <a:rPr lang="en-US" smtClean="0"/>
-              <a:t>7/20/19</a:t>
+              <a:t>7/21/19</a:t>
             </a:fld>
             <a:endParaRPr lang="en-US"/>
           </a:p>
@@ -1485,7 +1485,7 @@
           <a:p>
             <a:fld id="{F4356D17-FE2B-4A42-AE6B-E0B8894B79EA}" type="datetimeFigureOut">
               <a:rPr lang="en-US" smtClean="0"/>
-              <a:t>7/20/19</a:t>
+              <a:t>7/21/19</a:t>
             </a:fld>
             <a:endParaRPr lang="en-US"/>
           </a:p>
@@ -1979,7 +1979,7 @@
           <a:p>
             <a:fld id="{F4356D17-FE2B-4A42-AE6B-E0B8894B79EA}" type="datetimeFigureOut">
               <a:rPr lang="en-US" smtClean="0"/>
-              <a:t>7/20/19</a:t>
+              <a:t>7/21/19</a:t>
             </a:fld>
             <a:endParaRPr lang="en-US"/>
           </a:p>
@@ -2225,7 +2225,7 @@
           <a:p>
             <a:fld id="{F4356D17-FE2B-4A42-AE6B-E0B8894B79EA}" type="datetimeFigureOut">
               <a:rPr lang="en-US" smtClean="0"/>
-              <a:t>7/20/19</a:t>
+              <a:t>7/21/19</a:t>
             </a:fld>
             <a:endParaRPr lang="en-US"/>
           </a:p>
@@ -2457,7 +2457,7 @@
           <a:p>
             <a:fld id="{F4356D17-FE2B-4A42-AE6B-E0B8894B79EA}" type="datetimeFigureOut">
               <a:rPr lang="en-US" smtClean="0"/>
-              <a:t>7/20/19</a:t>
+              <a:t>7/21/19</a:t>
             </a:fld>
             <a:endParaRPr lang="en-US"/>
           </a:p>
@@ -2824,7 +2824,7 @@
           <a:p>
             <a:fld id="{F4356D17-FE2B-4A42-AE6B-E0B8894B79EA}" type="datetimeFigureOut">
               <a:rPr lang="en-US" smtClean="0"/>
-              <a:t>7/20/19</a:t>
+              <a:t>7/21/19</a:t>
             </a:fld>
             <a:endParaRPr lang="en-US"/>
           </a:p>
@@ -2942,7 +2942,7 @@
           <a:p>
             <a:fld id="{F4356D17-FE2B-4A42-AE6B-E0B8894B79EA}" type="datetimeFigureOut">
               <a:rPr lang="en-US" smtClean="0"/>
-              <a:t>7/20/19</a:t>
+              <a:t>7/21/19</a:t>
             </a:fld>
             <a:endParaRPr lang="en-US"/>
           </a:p>
@@ -3037,7 +3037,7 @@
           <a:p>
             <a:fld id="{F4356D17-FE2B-4A42-AE6B-E0B8894B79EA}" type="datetimeFigureOut">
               <a:rPr lang="en-US" smtClean="0"/>
-              <a:t>7/20/19</a:t>
+              <a:t>7/21/19</a:t>
             </a:fld>
             <a:endParaRPr lang="en-US"/>
           </a:p>
@@ -3314,7 +3314,7 @@
           <a:p>
             <a:fld id="{F4356D17-FE2B-4A42-AE6B-E0B8894B79EA}" type="datetimeFigureOut">
               <a:rPr lang="en-US" smtClean="0"/>
-              <a:t>7/20/19</a:t>
+              <a:t>7/21/19</a:t>
             </a:fld>
             <a:endParaRPr lang="en-US"/>
           </a:p>
@@ -3567,7 +3567,7 @@
           <a:p>
             <a:fld id="{F4356D17-FE2B-4A42-AE6B-E0B8894B79EA}" type="datetimeFigureOut">
               <a:rPr lang="en-US" smtClean="0"/>
-              <a:t>7/20/19</a:t>
+              <a:t>7/21/19</a:t>
             </a:fld>
             <a:endParaRPr lang="en-US"/>
           </a:p>
@@ -3780,7 +3780,7 @@
           <a:p>
             <a:fld id="{F4356D17-FE2B-4A42-AE6B-E0B8894B79EA}" type="datetimeFigureOut">
               <a:rPr lang="en-US" smtClean="0"/>
-              <a:t>7/20/19</a:t>
+              <a:t>7/21/19</a:t>
             </a:fld>
             <a:endParaRPr lang="en-US"/>
           </a:p>
@@ -4496,7 +4496,7 @@
         <p:spPr/>
         <p:txBody>
           <a:bodyPr>
-            <a:normAutofit fontScale="92500" lnSpcReduction="20000"/>
+            <a:normAutofit fontScale="85000" lnSpcReduction="20000"/>
           </a:bodyPr>
           <a:lstStyle/>
           <a:p>
@@ -4508,13 +4508,13 @@
           <a:p>
             <a:r>
               <a:rPr lang="en-US" dirty="0"/>
+              <a:t>API continued – Transcription, Search Transcription, Update favorites</a:t>
+            </a:r>
+          </a:p>
+          <a:p>
+            <a:r>
+              <a:rPr lang="en-US" dirty="0"/>
               <a:t>Deployment </a:t>
-            </a:r>
-          </a:p>
-          <a:p>
-            <a:r>
-              <a:rPr lang="en-US" dirty="0"/>
-              <a:t>Unit testing /Dev ops</a:t>
             </a:r>
           </a:p>
           <a:p>
@@ -4526,7 +4526,13 @@
           <a:p>
             <a:r>
               <a:rPr lang="en-US" dirty="0"/>
-              <a:t>Accessibility(~2pm)</a:t>
+              <a:t>Unit testing /Dev ops(~2pm)</a:t>
+            </a:r>
+          </a:p>
+          <a:p>
+            <a:r>
+              <a:rPr lang="en-US" dirty="0"/>
+              <a:t>Accessibility</a:t>
             </a:r>
           </a:p>
           <a:p>
@@ -4538,25 +4544,25 @@
           <a:p>
             <a:r>
               <a:rPr lang="en-US" dirty="0"/>
-              <a:t>Signal R</a:t>
+              <a:t>Signal R – (Time permitting)</a:t>
             </a:r>
           </a:p>
           <a:p>
             <a:r>
               <a:rPr lang="en-US" dirty="0"/>
-              <a:t>Expectations on other advanced features. (3:30pm)</a:t>
+              <a:t>Expectations on other advanced features. (4pm)</a:t>
             </a:r>
           </a:p>
           <a:p>
             <a:r>
               <a:rPr lang="en-US" dirty="0"/>
-              <a:t>Assessment briefing / Imagine Cup</a:t>
+              <a:t>Assessment briefing </a:t>
             </a:r>
           </a:p>
           <a:p>
             <a:r>
               <a:rPr lang="en-US" dirty="0"/>
-              <a:t>Closing (4:00pm)</a:t>
+              <a:t>Closing (4:30pm)</a:t>
             </a:r>
           </a:p>
           <a:p>

--- a/Slides/MSA Intro Day 1.pptx
+++ b/Slides/MSA Intro Day 1.pptx
@@ -4496,7 +4496,7 @@
         <p:spPr/>
         <p:txBody>
           <a:bodyPr>
-            <a:normAutofit fontScale="85000" lnSpcReduction="20000"/>
+            <a:normAutofit fontScale="92500" lnSpcReduction="20000"/>
           </a:bodyPr>
           <a:lstStyle/>
           <a:p>
@@ -4526,13 +4526,7 @@
           <a:p>
             <a:r>
               <a:rPr lang="en-US" dirty="0"/>
-              <a:t>Unit testing /Dev ops(~2pm)</a:t>
-            </a:r>
-          </a:p>
-          <a:p>
-            <a:r>
-              <a:rPr lang="en-US" dirty="0"/>
-              <a:t>Accessibility</a:t>
+              <a:t>Unit testing /Dev ops(~2pm) </a:t>
             </a:r>
           </a:p>
           <a:p>
@@ -4544,7 +4538,7 @@
           <a:p>
             <a:r>
               <a:rPr lang="en-US" dirty="0"/>
-              <a:t>Signal R – (Time permitting)</a:t>
+              <a:t>Signal R </a:t>
             </a:r>
           </a:p>
           <a:p>
